--- a/graph.pptx
+++ b/graph.pptx
@@ -112,6 +112,11 @@
       </a:defRPr>
     </a:lvl9pPr>
   </p:defaultTextStyle>
+  <p:extLst>
+    <p:ext uri="{EFAFB233-063F-42B5-8137-9DF3F51BA10A}">
+      <p15:sldGuideLst xmlns:p15="http://schemas.microsoft.com/office/powerpoint/2012/main"/>
+    </p:ext>
+  </p:extLst>
 </p:presentation>
 </file>
 
@@ -2250,6 +2255,111 @@
           <c:spPr>
             <a:ln w="28575" cap="rnd">
               <a:solidFill>
+                <a:schemeClr val="accent5"/>
+              </a:solidFill>
+              <a:round/>
+            </a:ln>
+            <a:effectLst/>
+          </c:spPr>
+          <c:marker>
+            <c:symbol val="diamond"/>
+            <c:size val="10"/>
+            <c:spPr>
+              <a:solidFill>
+                <a:schemeClr val="accent5"/>
+              </a:solidFill>
+              <a:ln w="9525">
+                <a:solidFill>
+                  <a:schemeClr val="accent5"/>
+                </a:solidFill>
+              </a:ln>
+              <a:effectLst/>
+            </c:spPr>
+          </c:marker>
+          <c:cat>
+            <c:numRef>
+              <c:f>ridge!$A$3:$A$9</c:f>
+              <c:numCache>
+                <c:formatCode>General</c:formatCode>
+                <c:ptCount val="7"/>
+                <c:pt idx="0">
+                  <c:v>1E-3</c:v>
+                </c:pt>
+                <c:pt idx="1">
+                  <c:v>0.01</c:v>
+                </c:pt>
+                <c:pt idx="2">
+                  <c:v>0.1</c:v>
+                </c:pt>
+                <c:pt idx="3">
+                  <c:v>1</c:v>
+                </c:pt>
+                <c:pt idx="4">
+                  <c:v>10</c:v>
+                </c:pt>
+                <c:pt idx="5">
+                  <c:v>100</c:v>
+                </c:pt>
+                <c:pt idx="6">
+                  <c:v>1000</c:v>
+                </c:pt>
+              </c:numCache>
+            </c:numRef>
+          </c:cat>
+          <c:val>
+            <c:numRef>
+              <c:f>ridge!$B$3:$B$9</c:f>
+              <c:numCache>
+                <c:formatCode>General</c:formatCode>
+                <c:ptCount val="7"/>
+                <c:pt idx="0">
+                  <c:v>0.98012999999999995</c:v>
+                </c:pt>
+                <c:pt idx="1">
+                  <c:v>0.98409999999999997</c:v>
+                </c:pt>
+                <c:pt idx="2">
+                  <c:v>0.98755999999999999</c:v>
+                </c:pt>
+                <c:pt idx="3">
+                  <c:v>0.98782000000000003</c:v>
+                </c:pt>
+                <c:pt idx="4">
+                  <c:v>0.98487000000000002</c:v>
+                </c:pt>
+                <c:pt idx="5">
+                  <c:v>0.98063999999999996</c:v>
+                </c:pt>
+                <c:pt idx="6">
+                  <c:v>0.97538000000000002</c:v>
+                </c:pt>
+              </c:numCache>
+            </c:numRef>
+          </c:val>
+          <c:smooth val="0"/>
+          <c:extLst>
+            <c:ext xmlns:c16="http://schemas.microsoft.com/office/drawing/2014/chart" uri="{C3380CC4-5D6E-409C-BE32-E72D297353CC}">
+              <c16:uniqueId val="{00000000-8735-411D-8FC6-9288AFED96F7}"/>
+            </c:ext>
+          </c:extLst>
+        </c:ser>
+        <c:ser>
+          <c:idx val="2"/>
+          <c:order val="1"/>
+          <c:tx>
+            <c:strRef>
+              <c:f>ridge!$C$2</c:f>
+              <c:strCache>
+                <c:ptCount val="1"/>
+                <c:pt idx="0">
+                  <c:v>cholesky</c:v>
+                </c:pt>
+              </c:strCache>
+            </c:strRef>
+          </c:tx>
+          <c:spPr>
+            <a:ln w="28575" cap="rnd">
+              <a:solidFill>
                 <a:schemeClr val="accent4"/>
               </a:solidFill>
               <a:round/>
@@ -2258,7 +2368,7 @@
           </c:spPr>
           <c:marker>
             <c:symbol val="circle"/>
-            <c:size val="5"/>
+            <c:size val="10"/>
             <c:spPr>
               <a:solidFill>
                 <a:schemeClr val="accent4"/>
@@ -2273,48 +2383,60 @@
           </c:marker>
           <c:cat>
             <c:numRef>
-              <c:f>ridge!$A$3:$A$7</c:f>
+              <c:f>ridge!$A$3:$A$9</c:f>
               <c:numCache>
                 <c:formatCode>General</c:formatCode>
-                <c:ptCount val="5"/>
+                <c:ptCount val="7"/>
                 <c:pt idx="0">
+                  <c:v>1E-3</c:v>
+                </c:pt>
+                <c:pt idx="1">
                   <c:v>0.01</c:v>
                 </c:pt>
-                <c:pt idx="1">
+                <c:pt idx="2">
                   <c:v>0.1</c:v>
                 </c:pt>
-                <c:pt idx="2">
+                <c:pt idx="3">
                   <c:v>1</c:v>
                 </c:pt>
-                <c:pt idx="3">
+                <c:pt idx="4">
                   <c:v>10</c:v>
                 </c:pt>
-                <c:pt idx="4">
+                <c:pt idx="5">
                   <c:v>100</c:v>
+                </c:pt>
+                <c:pt idx="6">
+                  <c:v>1000</c:v>
                 </c:pt>
               </c:numCache>
             </c:numRef>
           </c:cat>
           <c:val>
             <c:numRef>
-              <c:f>ridge!$B$3:$B$7</c:f>
+              <c:f>ridge!$C$3:$C$9</c:f>
               <c:numCache>
                 <c:formatCode>General</c:formatCode>
-                <c:ptCount val="5"/>
+                <c:ptCount val="7"/>
                 <c:pt idx="0">
+                  <c:v>0.98012999999999995</c:v>
+                </c:pt>
+                <c:pt idx="1">
                   <c:v>0.98409999999999997</c:v>
                 </c:pt>
-                <c:pt idx="1">
+                <c:pt idx="2">
                   <c:v>0.98755999999999999</c:v>
                 </c:pt>
-                <c:pt idx="2">
+                <c:pt idx="3">
                   <c:v>0.98782000000000003</c:v>
                 </c:pt>
-                <c:pt idx="3">
+                <c:pt idx="4">
                   <c:v>0.98487000000000002</c:v>
                 </c:pt>
-                <c:pt idx="4">
+                <c:pt idx="5">
                   <c:v>0.98063999999999996</c:v>
+                </c:pt>
+                <c:pt idx="6">
+                  <c:v>0.97538000000000002</c:v>
                 </c:pt>
               </c:numCache>
             </c:numRef>
@@ -2322,100 +2444,7 @@
           <c:smooth val="0"/>
           <c:extLst>
             <c:ext xmlns:c16="http://schemas.microsoft.com/office/drawing/2014/chart" uri="{C3380CC4-5D6E-409C-BE32-E72D297353CC}">
-              <c16:uniqueId val="{00000000-6DE5-4A99-AF2B-F7A4D38C0DC4}"/>
-            </c:ext>
-          </c:extLst>
-        </c:ser>
-        <c:ser>
-          <c:idx val="2"/>
-          <c:order val="1"/>
-          <c:tx>
-            <c:strRef>
-              <c:f>ridge!$C$2</c:f>
-              <c:strCache>
-                <c:ptCount val="1"/>
-                <c:pt idx="0">
-                  <c:v>cholesky</c:v>
-                </c:pt>
-              </c:strCache>
-            </c:strRef>
-          </c:tx>
-          <c:spPr>
-            <a:ln w="28575" cap="rnd">
-              <a:solidFill>
-                <a:schemeClr val="accent6"/>
-              </a:solidFill>
-              <a:round/>
-            </a:ln>
-            <a:effectLst/>
-          </c:spPr>
-          <c:marker>
-            <c:symbol val="circle"/>
-            <c:size val="5"/>
-            <c:spPr>
-              <a:solidFill>
-                <a:schemeClr val="accent6"/>
-              </a:solidFill>
-              <a:ln w="9525">
-                <a:solidFill>
-                  <a:schemeClr val="accent6"/>
-                </a:solidFill>
-              </a:ln>
-              <a:effectLst/>
-            </c:spPr>
-          </c:marker>
-          <c:cat>
-            <c:numRef>
-              <c:f>ridge!$A$3:$A$7</c:f>
-              <c:numCache>
-                <c:formatCode>General</c:formatCode>
-                <c:ptCount val="5"/>
-                <c:pt idx="0">
-                  <c:v>0.01</c:v>
-                </c:pt>
-                <c:pt idx="1">
-                  <c:v>0.1</c:v>
-                </c:pt>
-                <c:pt idx="2">
-                  <c:v>1</c:v>
-                </c:pt>
-                <c:pt idx="3">
-                  <c:v>10</c:v>
-                </c:pt>
-                <c:pt idx="4">
-                  <c:v>100</c:v>
-                </c:pt>
-              </c:numCache>
-            </c:numRef>
-          </c:cat>
-          <c:val>
-            <c:numRef>
-              <c:f>ridge!$C$3:$C$7</c:f>
-              <c:numCache>
-                <c:formatCode>General</c:formatCode>
-                <c:ptCount val="5"/>
-                <c:pt idx="0">
-                  <c:v>0.98409999999999997</c:v>
-                </c:pt>
-                <c:pt idx="1">
-                  <c:v>0.98755999999999999</c:v>
-                </c:pt>
-                <c:pt idx="2">
-                  <c:v>0.98782000000000003</c:v>
-                </c:pt>
-                <c:pt idx="3">
-                  <c:v>0.98487000000000002</c:v>
-                </c:pt>
-                <c:pt idx="4">
-                  <c:v>0.98063999999999996</c:v>
-                </c:pt>
-              </c:numCache>
-            </c:numRef>
-          </c:val>
-          <c:smooth val="0"/>
-          <c:extLst>
-            <c:ext xmlns:c16="http://schemas.microsoft.com/office/drawing/2014/chart" uri="{C3380CC4-5D6E-409C-BE32-E72D297353CC}">
-              <c16:uniqueId val="{00000001-6DE5-4A99-AF2B-F7A4D38C0DC4}"/>
+              <c16:uniqueId val="{00000001-8735-411D-8FC6-9288AFED96F7}"/>
             </c:ext>
           </c:extLst>
         </c:ser>
@@ -2429,204 +2458,6 @@
                 <c:ptCount val="1"/>
                 <c:pt idx="0">
                   <c:v>lsqr</c:v>
-                </c:pt>
-              </c:strCache>
-            </c:strRef>
-          </c:tx>
-          <c:spPr>
-            <a:ln w="28575" cap="rnd">
-              <a:solidFill>
-                <a:schemeClr val="accent2">
-                  <a:lumMod val="60000"/>
-                </a:schemeClr>
-              </a:solidFill>
-              <a:round/>
-            </a:ln>
-            <a:effectLst/>
-          </c:spPr>
-          <c:marker>
-            <c:symbol val="circle"/>
-            <c:size val="5"/>
-            <c:spPr>
-              <a:solidFill>
-                <a:schemeClr val="accent2">
-                  <a:lumMod val="60000"/>
-                </a:schemeClr>
-              </a:solidFill>
-              <a:ln w="9525">
-                <a:solidFill>
-                  <a:schemeClr val="accent2">
-                    <a:lumMod val="60000"/>
-                  </a:schemeClr>
-                </a:solidFill>
-              </a:ln>
-              <a:effectLst/>
-            </c:spPr>
-          </c:marker>
-          <c:cat>
-            <c:numRef>
-              <c:f>ridge!$A$3:$A$7</c:f>
-              <c:numCache>
-                <c:formatCode>General</c:formatCode>
-                <c:ptCount val="5"/>
-                <c:pt idx="0">
-                  <c:v>0.01</c:v>
-                </c:pt>
-                <c:pt idx="1">
-                  <c:v>0.1</c:v>
-                </c:pt>
-                <c:pt idx="2">
-                  <c:v>1</c:v>
-                </c:pt>
-                <c:pt idx="3">
-                  <c:v>10</c:v>
-                </c:pt>
-                <c:pt idx="4">
-                  <c:v>100</c:v>
-                </c:pt>
-              </c:numCache>
-            </c:numRef>
-          </c:cat>
-          <c:val>
-            <c:numRef>
-              <c:f>ridge!$D$3:$D$7</c:f>
-              <c:numCache>
-                <c:formatCode>General</c:formatCode>
-                <c:ptCount val="5"/>
-                <c:pt idx="0">
-                  <c:v>0.98409999999999997</c:v>
-                </c:pt>
-                <c:pt idx="1">
-                  <c:v>0.98768999999999996</c:v>
-                </c:pt>
-                <c:pt idx="2">
-                  <c:v>0.98782000000000003</c:v>
-                </c:pt>
-                <c:pt idx="3">
-                  <c:v>0.98487000000000002</c:v>
-                </c:pt>
-                <c:pt idx="4">
-                  <c:v>0.98063999999999996</c:v>
-                </c:pt>
-              </c:numCache>
-            </c:numRef>
-          </c:val>
-          <c:smooth val="0"/>
-          <c:extLst>
-            <c:ext xmlns:c16="http://schemas.microsoft.com/office/drawing/2014/chart" uri="{C3380CC4-5D6E-409C-BE32-E72D297353CC}">
-              <c16:uniqueId val="{00000002-6DE5-4A99-AF2B-F7A4D38C0DC4}"/>
-            </c:ext>
-          </c:extLst>
-        </c:ser>
-        <c:ser>
-          <c:idx val="4"/>
-          <c:order val="3"/>
-          <c:tx>
-            <c:strRef>
-              <c:f>ridge!$E$2</c:f>
-              <c:strCache>
-                <c:ptCount val="1"/>
-                <c:pt idx="0">
-                  <c:v>sparse_cg</c:v>
-                </c:pt>
-              </c:strCache>
-            </c:strRef>
-          </c:tx>
-          <c:spPr>
-            <a:ln w="28575" cap="rnd">
-              <a:solidFill>
-                <a:schemeClr val="accent4">
-                  <a:lumMod val="60000"/>
-                </a:schemeClr>
-              </a:solidFill>
-              <a:round/>
-            </a:ln>
-            <a:effectLst/>
-          </c:spPr>
-          <c:marker>
-            <c:symbol val="circle"/>
-            <c:size val="5"/>
-            <c:spPr>
-              <a:solidFill>
-                <a:schemeClr val="accent4">
-                  <a:lumMod val="60000"/>
-                </a:schemeClr>
-              </a:solidFill>
-              <a:ln w="9525">
-                <a:solidFill>
-                  <a:schemeClr val="accent4">
-                    <a:lumMod val="60000"/>
-                  </a:schemeClr>
-                </a:solidFill>
-              </a:ln>
-              <a:effectLst/>
-            </c:spPr>
-          </c:marker>
-          <c:cat>
-            <c:numRef>
-              <c:f>ridge!$A$3:$A$7</c:f>
-              <c:numCache>
-                <c:formatCode>General</c:formatCode>
-                <c:ptCount val="5"/>
-                <c:pt idx="0">
-                  <c:v>0.01</c:v>
-                </c:pt>
-                <c:pt idx="1">
-                  <c:v>0.1</c:v>
-                </c:pt>
-                <c:pt idx="2">
-                  <c:v>1</c:v>
-                </c:pt>
-                <c:pt idx="3">
-                  <c:v>10</c:v>
-                </c:pt>
-                <c:pt idx="4">
-                  <c:v>100</c:v>
-                </c:pt>
-              </c:numCache>
-            </c:numRef>
-          </c:cat>
-          <c:val>
-            <c:numRef>
-              <c:f>ridge!$E$3:$E$7</c:f>
-              <c:numCache>
-                <c:formatCode>General</c:formatCode>
-                <c:ptCount val="5"/>
-                <c:pt idx="0">
-                  <c:v>0.98409999999999997</c:v>
-                </c:pt>
-                <c:pt idx="1">
-                  <c:v>0.98755999999999999</c:v>
-                </c:pt>
-                <c:pt idx="2">
-                  <c:v>0.98782000000000003</c:v>
-                </c:pt>
-                <c:pt idx="3">
-                  <c:v>0.98487000000000002</c:v>
-                </c:pt>
-                <c:pt idx="4">
-                  <c:v>0.98063999999999996</c:v>
-                </c:pt>
-              </c:numCache>
-            </c:numRef>
-          </c:val>
-          <c:smooth val="0"/>
-          <c:extLst>
-            <c:ext xmlns:c16="http://schemas.microsoft.com/office/drawing/2014/chart" uri="{C3380CC4-5D6E-409C-BE32-E72D297353CC}">
-              <c16:uniqueId val="{00000003-6DE5-4A99-AF2B-F7A4D38C0DC4}"/>
-            </c:ext>
-          </c:extLst>
-        </c:ser>
-        <c:ser>
-          <c:idx val="5"/>
-          <c:order val="4"/>
-          <c:tx>
-            <c:strRef>
-              <c:f>ridge!$F$2</c:f>
-              <c:strCache>
-                <c:ptCount val="1"/>
-                <c:pt idx="0">
-                  <c:v>sag</c:v>
                 </c:pt>
               </c:strCache>
             </c:strRef>
@@ -2643,8 +2474,8 @@
             <a:effectLst/>
           </c:spPr>
           <c:marker>
-            <c:symbol val="circle"/>
-            <c:size val="5"/>
+            <c:symbol val="triangle"/>
+            <c:size val="10"/>
             <c:spPr>
               <a:solidFill>
                 <a:schemeClr val="accent6">
@@ -2663,48 +2494,60 @@
           </c:marker>
           <c:cat>
             <c:numRef>
-              <c:f>ridge!$A$3:$A$7</c:f>
+              <c:f>ridge!$A$3:$A$9</c:f>
               <c:numCache>
                 <c:formatCode>General</c:formatCode>
-                <c:ptCount val="5"/>
+                <c:ptCount val="7"/>
                 <c:pt idx="0">
+                  <c:v>1E-3</c:v>
+                </c:pt>
+                <c:pt idx="1">
                   <c:v>0.01</c:v>
                 </c:pt>
-                <c:pt idx="1">
+                <c:pt idx="2">
                   <c:v>0.1</c:v>
                 </c:pt>
-                <c:pt idx="2">
+                <c:pt idx="3">
                   <c:v>1</c:v>
                 </c:pt>
-                <c:pt idx="3">
+                <c:pt idx="4">
                   <c:v>10</c:v>
                 </c:pt>
-                <c:pt idx="4">
+                <c:pt idx="5">
                   <c:v>100</c:v>
+                </c:pt>
+                <c:pt idx="6">
+                  <c:v>1000</c:v>
                 </c:pt>
               </c:numCache>
             </c:numRef>
           </c:cat>
           <c:val>
             <c:numRef>
-              <c:f>ridge!$F$3:$F$7</c:f>
+              <c:f>ridge!$D$3:$D$9</c:f>
               <c:numCache>
                 <c:formatCode>General</c:formatCode>
-                <c:ptCount val="5"/>
+                <c:ptCount val="7"/>
                 <c:pt idx="0">
+                  <c:v>0.98050999999999999</c:v>
+                </c:pt>
+                <c:pt idx="1">
                   <c:v>0.98409999999999997</c:v>
                 </c:pt>
-                <c:pt idx="1">
-                  <c:v>0.98755999999999999</c:v>
-                </c:pt>
                 <c:pt idx="2">
+                  <c:v>0.98768999999999996</c:v>
+                </c:pt>
+                <c:pt idx="3">
                   <c:v>0.98782000000000003</c:v>
                 </c:pt>
-                <c:pt idx="3">
+                <c:pt idx="4">
                   <c:v>0.98487000000000002</c:v>
                 </c:pt>
-                <c:pt idx="4">
+                <c:pt idx="5">
                   <c:v>0.98063999999999996</c:v>
+                </c:pt>
+                <c:pt idx="6">
+                  <c:v>0.97538000000000002</c:v>
                 </c:pt>
               </c:numCache>
             </c:numRef>
@@ -2712,7 +2555,221 @@
           <c:smooth val="0"/>
           <c:extLst>
             <c:ext xmlns:c16="http://schemas.microsoft.com/office/drawing/2014/chart" uri="{C3380CC4-5D6E-409C-BE32-E72D297353CC}">
-              <c16:uniqueId val="{00000004-6DE5-4A99-AF2B-F7A4D38C0DC4}"/>
+              <c16:uniqueId val="{00000002-8735-411D-8FC6-9288AFED96F7}"/>
+            </c:ext>
+          </c:extLst>
+        </c:ser>
+        <c:ser>
+          <c:idx val="4"/>
+          <c:order val="3"/>
+          <c:tx>
+            <c:strRef>
+              <c:f>ridge!$E$2</c:f>
+              <c:strCache>
+                <c:ptCount val="1"/>
+                <c:pt idx="0">
+                  <c:v>sparse_cg</c:v>
+                </c:pt>
+              </c:strCache>
+            </c:strRef>
+          </c:tx>
+          <c:spPr>
+            <a:ln w="28575" cap="rnd">
+              <a:solidFill>
+                <a:schemeClr val="accent5">
+                  <a:lumMod val="60000"/>
+                </a:schemeClr>
+              </a:solidFill>
+              <a:round/>
+            </a:ln>
+            <a:effectLst/>
+          </c:spPr>
+          <c:marker>
+            <c:symbol val="plus"/>
+            <c:size val="10"/>
+            <c:spPr>
+              <a:noFill/>
+              <a:ln w="9525">
+                <a:solidFill>
+                  <a:schemeClr val="accent5">
+                    <a:lumMod val="60000"/>
+                  </a:schemeClr>
+                </a:solidFill>
+              </a:ln>
+              <a:effectLst/>
+            </c:spPr>
+          </c:marker>
+          <c:cat>
+            <c:numRef>
+              <c:f>ridge!$A$3:$A$9</c:f>
+              <c:numCache>
+                <c:formatCode>General</c:formatCode>
+                <c:ptCount val="7"/>
+                <c:pt idx="0">
+                  <c:v>1E-3</c:v>
+                </c:pt>
+                <c:pt idx="1">
+                  <c:v>0.01</c:v>
+                </c:pt>
+                <c:pt idx="2">
+                  <c:v>0.1</c:v>
+                </c:pt>
+                <c:pt idx="3">
+                  <c:v>1</c:v>
+                </c:pt>
+                <c:pt idx="4">
+                  <c:v>10</c:v>
+                </c:pt>
+                <c:pt idx="5">
+                  <c:v>100</c:v>
+                </c:pt>
+                <c:pt idx="6">
+                  <c:v>1000</c:v>
+                </c:pt>
+              </c:numCache>
+            </c:numRef>
+          </c:cat>
+          <c:val>
+            <c:numRef>
+              <c:f>ridge!$E$3:$E$9</c:f>
+              <c:numCache>
+                <c:formatCode>General</c:formatCode>
+                <c:ptCount val="7"/>
+                <c:pt idx="0">
+                  <c:v>0.98038000000000003</c:v>
+                </c:pt>
+                <c:pt idx="1">
+                  <c:v>0.98409999999999997</c:v>
+                </c:pt>
+                <c:pt idx="2">
+                  <c:v>0.98755999999999999</c:v>
+                </c:pt>
+                <c:pt idx="3">
+                  <c:v>0.98782000000000003</c:v>
+                </c:pt>
+                <c:pt idx="4">
+                  <c:v>0.98487000000000002</c:v>
+                </c:pt>
+                <c:pt idx="5">
+                  <c:v>0.98063999999999996</c:v>
+                </c:pt>
+                <c:pt idx="6">
+                  <c:v>0.97538000000000002</c:v>
+                </c:pt>
+              </c:numCache>
+            </c:numRef>
+          </c:val>
+          <c:smooth val="0"/>
+          <c:extLst>
+            <c:ext xmlns:c16="http://schemas.microsoft.com/office/drawing/2014/chart" uri="{C3380CC4-5D6E-409C-BE32-E72D297353CC}">
+              <c16:uniqueId val="{00000003-8735-411D-8FC6-9288AFED96F7}"/>
+            </c:ext>
+          </c:extLst>
+        </c:ser>
+        <c:ser>
+          <c:idx val="5"/>
+          <c:order val="4"/>
+          <c:tx>
+            <c:strRef>
+              <c:f>ridge!$F$2</c:f>
+              <c:strCache>
+                <c:ptCount val="1"/>
+                <c:pt idx="0">
+                  <c:v>sag</c:v>
+                </c:pt>
+              </c:strCache>
+            </c:strRef>
+          </c:tx>
+          <c:spPr>
+            <a:ln w="28575" cap="rnd">
+              <a:solidFill>
+                <a:schemeClr val="accent4">
+                  <a:lumMod val="60000"/>
+                </a:schemeClr>
+              </a:solidFill>
+              <a:round/>
+            </a:ln>
+            <a:effectLst/>
+          </c:spPr>
+          <c:marker>
+            <c:symbol val="x"/>
+            <c:size val="10"/>
+            <c:spPr>
+              <a:noFill/>
+              <a:ln w="9525">
+                <a:solidFill>
+                  <a:schemeClr val="accent4">
+                    <a:lumMod val="60000"/>
+                  </a:schemeClr>
+                </a:solidFill>
+              </a:ln>
+              <a:effectLst/>
+            </c:spPr>
+          </c:marker>
+          <c:cat>
+            <c:numRef>
+              <c:f>ridge!$A$3:$A$9</c:f>
+              <c:numCache>
+                <c:formatCode>General</c:formatCode>
+                <c:ptCount val="7"/>
+                <c:pt idx="0">
+                  <c:v>1E-3</c:v>
+                </c:pt>
+                <c:pt idx="1">
+                  <c:v>0.01</c:v>
+                </c:pt>
+                <c:pt idx="2">
+                  <c:v>0.1</c:v>
+                </c:pt>
+                <c:pt idx="3">
+                  <c:v>1</c:v>
+                </c:pt>
+                <c:pt idx="4">
+                  <c:v>10</c:v>
+                </c:pt>
+                <c:pt idx="5">
+                  <c:v>100</c:v>
+                </c:pt>
+                <c:pt idx="6">
+                  <c:v>1000</c:v>
+                </c:pt>
+              </c:numCache>
+            </c:numRef>
+          </c:cat>
+          <c:val>
+            <c:numRef>
+              <c:f>ridge!$F$3:$F$9</c:f>
+              <c:numCache>
+                <c:formatCode>General</c:formatCode>
+                <c:ptCount val="7"/>
+                <c:pt idx="0">
+                  <c:v>0.98012999999999995</c:v>
+                </c:pt>
+                <c:pt idx="1">
+                  <c:v>0.98409999999999997</c:v>
+                </c:pt>
+                <c:pt idx="2">
+                  <c:v>0.98755999999999999</c:v>
+                </c:pt>
+                <c:pt idx="3">
+                  <c:v>0.98782000000000003</c:v>
+                </c:pt>
+                <c:pt idx="4">
+                  <c:v>0.98487000000000002</c:v>
+                </c:pt>
+                <c:pt idx="5">
+                  <c:v>0.98063999999999996</c:v>
+                </c:pt>
+                <c:pt idx="6">
+                  <c:v>0.97538000000000002</c:v>
+                </c:pt>
+              </c:numCache>
+            </c:numRef>
+          </c:val>
+          <c:smooth val="0"/>
+          <c:extLst>
+            <c:ext xmlns:c16="http://schemas.microsoft.com/office/drawing/2014/chart" uri="{C3380CC4-5D6E-409C-BE32-E72D297353CC}">
+              <c16:uniqueId val="{00000004-8735-411D-8FC6-9288AFED96F7}"/>
             </c:ext>
           </c:extLst>
         </c:ser>
@@ -2733,7 +2790,7 @@
           <c:spPr>
             <a:ln w="28575" cap="rnd">
               <a:solidFill>
-                <a:schemeClr val="accent2">
+                <a:schemeClr val="accent6">
                   <a:lumMod val="80000"/>
                   <a:lumOff val="20000"/>
                 </a:schemeClr>
@@ -2743,18 +2800,18 @@
             <a:effectLst/>
           </c:spPr>
           <c:marker>
-            <c:symbol val="circle"/>
-            <c:size val="5"/>
+            <c:symbol val="square"/>
+            <c:size val="10"/>
             <c:spPr>
               <a:solidFill>
-                <a:schemeClr val="accent2">
+                <a:schemeClr val="accent6">
                   <a:lumMod val="80000"/>
                   <a:lumOff val="20000"/>
                 </a:schemeClr>
               </a:solidFill>
               <a:ln w="9525">
                 <a:solidFill>
-                  <a:schemeClr val="accent2">
+                  <a:schemeClr val="accent6">
                     <a:lumMod val="80000"/>
                     <a:lumOff val="20000"/>
                   </a:schemeClr>
@@ -2765,48 +2822,60 @@
           </c:marker>
           <c:cat>
             <c:numRef>
-              <c:f>ridge!$A$3:$A$7</c:f>
+              <c:f>ridge!$A$3:$A$9</c:f>
               <c:numCache>
                 <c:formatCode>General</c:formatCode>
-                <c:ptCount val="5"/>
+                <c:ptCount val="7"/>
                 <c:pt idx="0">
+                  <c:v>1E-3</c:v>
+                </c:pt>
+                <c:pt idx="1">
                   <c:v>0.01</c:v>
                 </c:pt>
-                <c:pt idx="1">
+                <c:pt idx="2">
                   <c:v>0.1</c:v>
                 </c:pt>
-                <c:pt idx="2">
+                <c:pt idx="3">
                   <c:v>1</c:v>
                 </c:pt>
-                <c:pt idx="3">
+                <c:pt idx="4">
                   <c:v>10</c:v>
                 </c:pt>
-                <c:pt idx="4">
+                <c:pt idx="5">
                   <c:v>100</c:v>
+                </c:pt>
+                <c:pt idx="6">
+                  <c:v>1000</c:v>
                 </c:pt>
               </c:numCache>
             </c:numRef>
           </c:cat>
           <c:val>
             <c:numRef>
-              <c:f>ridge!$G$3:$G$7</c:f>
+              <c:f>ridge!$G$3:$G$9</c:f>
               <c:numCache>
                 <c:formatCode>General</c:formatCode>
-                <c:ptCount val="5"/>
+                <c:ptCount val="7"/>
                 <c:pt idx="0">
+                  <c:v>0.98012999999999995</c:v>
+                </c:pt>
+                <c:pt idx="1">
                   <c:v>0.98409999999999997</c:v>
                 </c:pt>
-                <c:pt idx="1">
+                <c:pt idx="2">
                   <c:v>0.98768999999999996</c:v>
                 </c:pt>
-                <c:pt idx="2">
+                <c:pt idx="3">
                   <c:v>0.98782000000000003</c:v>
                 </c:pt>
-                <c:pt idx="3">
+                <c:pt idx="4">
                   <c:v>0.98487000000000002</c:v>
                 </c:pt>
-                <c:pt idx="4">
+                <c:pt idx="5">
                   <c:v>0.98063999999999996</c:v>
+                </c:pt>
+                <c:pt idx="6">
+                  <c:v>0.97538000000000002</c:v>
                 </c:pt>
               </c:numCache>
             </c:numRef>
@@ -2814,7 +2883,7 @@
           <c:smooth val="0"/>
           <c:extLst>
             <c:ext xmlns:c16="http://schemas.microsoft.com/office/drawing/2014/chart" uri="{C3380CC4-5D6E-409C-BE32-E72D297353CC}">
-              <c16:uniqueId val="{00000005-6DE5-4A99-AF2B-F7A4D38C0DC4}"/>
+              <c16:uniqueId val="{00000005-8735-411D-8FC6-9288AFED96F7}"/>
             </c:ext>
           </c:extLst>
         </c:ser>
@@ -2878,6 +2947,7 @@
         <c:axId val="728423680"/>
         <c:scaling>
           <c:orientation val="minMax"/>
+          <c:min val="0.97199999999999998"/>
         </c:scaling>
         <c:delete val="0"/>
         <c:axPos val="l"/>
@@ -3018,11 +3088,122 @@
           <c:order val="0"/>
           <c:tx>
             <c:strRef>
-              <c:f>ridge!$B$10</c:f>
+              <c:f>ridge!$B$12</c:f>
               <c:strCache>
                 <c:ptCount val="1"/>
                 <c:pt idx="0">
                   <c:v>svd</c:v>
+                </c:pt>
+              </c:strCache>
+            </c:strRef>
+          </c:tx>
+          <c:spPr>
+            <a:ln w="28575" cap="rnd">
+              <a:solidFill>
+                <a:schemeClr val="accent5"/>
+              </a:solidFill>
+              <a:round/>
+            </a:ln>
+            <a:effectLst/>
+          </c:spPr>
+          <c:marker>
+            <c:symbol val="diamond"/>
+            <c:size val="10"/>
+            <c:spPr>
+              <a:solidFill>
+                <a:schemeClr val="accent5"/>
+              </a:solidFill>
+              <a:ln w="9525">
+                <a:solidFill>
+                  <a:schemeClr val="accent5"/>
+                </a:solidFill>
+              </a:ln>
+              <a:effectLst/>
+            </c:spPr>
+          </c:marker>
+          <c:cat>
+            <c:numRef>
+              <c:f>ridge!$A$13:$A$20</c:f>
+              <c:numCache>
+                <c:formatCode>General</c:formatCode>
+                <c:ptCount val="8"/>
+                <c:pt idx="0">
+                  <c:v>1E-4</c:v>
+                </c:pt>
+                <c:pt idx="1">
+                  <c:v>1E-3</c:v>
+                </c:pt>
+                <c:pt idx="2">
+                  <c:v>0.01</c:v>
+                </c:pt>
+                <c:pt idx="3">
+                  <c:v>0.1</c:v>
+                </c:pt>
+                <c:pt idx="4">
+                  <c:v>1</c:v>
+                </c:pt>
+                <c:pt idx="5">
+                  <c:v>10</c:v>
+                </c:pt>
+                <c:pt idx="6">
+                  <c:v>100</c:v>
+                </c:pt>
+                <c:pt idx="7">
+                  <c:v>1000</c:v>
+                </c:pt>
+              </c:numCache>
+            </c:numRef>
+          </c:cat>
+          <c:val>
+            <c:numRef>
+              <c:f>ridge!$B$13:$B$20</c:f>
+              <c:numCache>
+                <c:formatCode>General</c:formatCode>
+                <c:ptCount val="8"/>
+                <c:pt idx="0">
+                  <c:v>0.98731000000000002</c:v>
+                </c:pt>
+                <c:pt idx="1">
+                  <c:v>0.98794999999999999</c:v>
+                </c:pt>
+                <c:pt idx="2">
+                  <c:v>0.98692000000000002</c:v>
+                </c:pt>
+                <c:pt idx="3">
+                  <c:v>0.98321000000000003</c:v>
+                </c:pt>
+                <c:pt idx="4">
+                  <c:v>0.97526000000000002</c:v>
+                </c:pt>
+                <c:pt idx="5">
+                  <c:v>0.97179000000000004</c:v>
+                </c:pt>
+                <c:pt idx="6">
+                  <c:v>0.97089999999999999</c:v>
+                </c:pt>
+                <c:pt idx="7">
+                  <c:v>0.97089999999999999</c:v>
+                </c:pt>
+              </c:numCache>
+            </c:numRef>
+          </c:val>
+          <c:smooth val="0"/>
+          <c:extLst>
+            <c:ext xmlns:c16="http://schemas.microsoft.com/office/drawing/2014/chart" uri="{C3380CC4-5D6E-409C-BE32-E72D297353CC}">
+              <c16:uniqueId val="{00000000-297C-4B61-A4A0-38F7607C86D5}"/>
+            </c:ext>
+          </c:extLst>
+        </c:ser>
+        <c:ser>
+          <c:idx val="2"/>
+          <c:order val="1"/>
+          <c:tx>
+            <c:strRef>
+              <c:f>ridge!$C$12</c:f>
+              <c:strCache>
+                <c:ptCount val="1"/>
+                <c:pt idx="0">
+                  <c:v>cholesky</c:v>
                 </c:pt>
               </c:strCache>
             </c:strRef>
@@ -3038,7 +3219,7 @@
           </c:spPr>
           <c:marker>
             <c:symbol val="circle"/>
-            <c:size val="5"/>
+            <c:size val="10"/>
             <c:spPr>
               <a:solidFill>
                 <a:schemeClr val="accent4"/>
@@ -3053,47 +3234,65 @@
           </c:marker>
           <c:cat>
             <c:numRef>
-              <c:f>ridge!$A$11:$A$15</c:f>
+              <c:f>ridge!$A$13:$A$20</c:f>
               <c:numCache>
                 <c:formatCode>General</c:formatCode>
-                <c:ptCount val="5"/>
+                <c:ptCount val="8"/>
                 <c:pt idx="0">
+                  <c:v>1E-4</c:v>
+                </c:pt>
+                <c:pt idx="1">
+                  <c:v>1E-3</c:v>
+                </c:pt>
+                <c:pt idx="2">
                   <c:v>0.01</c:v>
                 </c:pt>
-                <c:pt idx="1">
+                <c:pt idx="3">
                   <c:v>0.1</c:v>
                 </c:pt>
-                <c:pt idx="2">
+                <c:pt idx="4">
                   <c:v>1</c:v>
                 </c:pt>
-                <c:pt idx="3">
+                <c:pt idx="5">
                   <c:v>10</c:v>
                 </c:pt>
-                <c:pt idx="4">
+                <c:pt idx="6">
                   <c:v>100</c:v>
+                </c:pt>
+                <c:pt idx="7">
+                  <c:v>1000</c:v>
                 </c:pt>
               </c:numCache>
             </c:numRef>
           </c:cat>
           <c:val>
             <c:numRef>
-              <c:f>ridge!$B$11:$B$15</c:f>
+              <c:f>ridge!$C$13:$C$20</c:f>
               <c:numCache>
                 <c:formatCode>General</c:formatCode>
-                <c:ptCount val="5"/>
+                <c:ptCount val="8"/>
                 <c:pt idx="0">
+                  <c:v>0.98731000000000002</c:v>
+                </c:pt>
+                <c:pt idx="1">
+                  <c:v>0.98794999999999999</c:v>
+                </c:pt>
+                <c:pt idx="2">
                   <c:v>0.98692000000000002</c:v>
                 </c:pt>
-                <c:pt idx="1">
+                <c:pt idx="3">
                   <c:v>0.98321000000000003</c:v>
                 </c:pt>
-                <c:pt idx="2">
+                <c:pt idx="4">
                   <c:v>0.97526000000000002</c:v>
                 </c:pt>
-                <c:pt idx="3">
+                <c:pt idx="5">
                   <c:v>0.97179000000000004</c:v>
                 </c:pt>
-                <c:pt idx="4">
+                <c:pt idx="6">
+                  <c:v>0.97089999999999999</c:v>
+                </c:pt>
+                <c:pt idx="7">
                   <c:v>0.97089999999999999</c:v>
                 </c:pt>
               </c:numCache>
@@ -3102,100 +3301,7 @@
           <c:smooth val="0"/>
           <c:extLst>
             <c:ext xmlns:c16="http://schemas.microsoft.com/office/drawing/2014/chart" uri="{C3380CC4-5D6E-409C-BE32-E72D297353CC}">
-              <c16:uniqueId val="{00000000-F439-407C-9107-B7BB7B1C95DA}"/>
-            </c:ext>
-          </c:extLst>
-        </c:ser>
-        <c:ser>
-          <c:idx val="2"/>
-          <c:order val="1"/>
-          <c:tx>
-            <c:strRef>
-              <c:f>ridge!$C$10</c:f>
-              <c:strCache>
-                <c:ptCount val="1"/>
-                <c:pt idx="0">
-                  <c:v>cholesky</c:v>
-                </c:pt>
-              </c:strCache>
-            </c:strRef>
-          </c:tx>
-          <c:spPr>
-            <a:ln w="28575" cap="rnd">
-              <a:solidFill>
-                <a:schemeClr val="accent6"/>
-              </a:solidFill>
-              <a:round/>
-            </a:ln>
-            <a:effectLst/>
-          </c:spPr>
-          <c:marker>
-            <c:symbol val="circle"/>
-            <c:size val="5"/>
-            <c:spPr>
-              <a:solidFill>
-                <a:schemeClr val="accent6"/>
-              </a:solidFill>
-              <a:ln w="9525">
-                <a:solidFill>
-                  <a:schemeClr val="accent6"/>
-                </a:solidFill>
-              </a:ln>
-              <a:effectLst/>
-            </c:spPr>
-          </c:marker>
-          <c:cat>
-            <c:numRef>
-              <c:f>ridge!$A$11:$A$15</c:f>
-              <c:numCache>
-                <c:formatCode>General</c:formatCode>
-                <c:ptCount val="5"/>
-                <c:pt idx="0">
-                  <c:v>0.01</c:v>
-                </c:pt>
-                <c:pt idx="1">
-                  <c:v>0.1</c:v>
-                </c:pt>
-                <c:pt idx="2">
-                  <c:v>1</c:v>
-                </c:pt>
-                <c:pt idx="3">
-                  <c:v>10</c:v>
-                </c:pt>
-                <c:pt idx="4">
-                  <c:v>100</c:v>
-                </c:pt>
-              </c:numCache>
-            </c:numRef>
-          </c:cat>
-          <c:val>
-            <c:numRef>
-              <c:f>ridge!$C$11:$C$15</c:f>
-              <c:numCache>
-                <c:formatCode>General</c:formatCode>
-                <c:ptCount val="5"/>
-                <c:pt idx="0">
-                  <c:v>0.98692000000000002</c:v>
-                </c:pt>
-                <c:pt idx="1">
-                  <c:v>0.98321000000000003</c:v>
-                </c:pt>
-                <c:pt idx="2">
-                  <c:v>0.97526000000000002</c:v>
-                </c:pt>
-                <c:pt idx="3">
-                  <c:v>0.97179000000000004</c:v>
-                </c:pt>
-                <c:pt idx="4">
-                  <c:v>0.97089999999999999</c:v>
-                </c:pt>
-              </c:numCache>
-            </c:numRef>
-          </c:val>
-          <c:smooth val="0"/>
-          <c:extLst>
-            <c:ext xmlns:c16="http://schemas.microsoft.com/office/drawing/2014/chart" uri="{C3380CC4-5D6E-409C-BE32-E72D297353CC}">
-              <c16:uniqueId val="{00000001-F439-407C-9107-B7BB7B1C95DA}"/>
+              <c16:uniqueId val="{00000001-297C-4B61-A4A0-38F7607C86D5}"/>
             </c:ext>
           </c:extLst>
         </c:ser>
@@ -3204,209 +3310,11 @@
           <c:order val="2"/>
           <c:tx>
             <c:strRef>
-              <c:f>ridge!$D$10</c:f>
+              <c:f>ridge!$D$12</c:f>
               <c:strCache>
                 <c:ptCount val="1"/>
                 <c:pt idx="0">
                   <c:v>lsqr</c:v>
-                </c:pt>
-              </c:strCache>
-            </c:strRef>
-          </c:tx>
-          <c:spPr>
-            <a:ln w="28575" cap="rnd">
-              <a:solidFill>
-                <a:schemeClr val="accent2">
-                  <a:lumMod val="60000"/>
-                </a:schemeClr>
-              </a:solidFill>
-              <a:round/>
-            </a:ln>
-            <a:effectLst/>
-          </c:spPr>
-          <c:marker>
-            <c:symbol val="circle"/>
-            <c:size val="5"/>
-            <c:spPr>
-              <a:solidFill>
-                <a:schemeClr val="accent2">
-                  <a:lumMod val="60000"/>
-                </a:schemeClr>
-              </a:solidFill>
-              <a:ln w="9525">
-                <a:solidFill>
-                  <a:schemeClr val="accent2">
-                    <a:lumMod val="60000"/>
-                  </a:schemeClr>
-                </a:solidFill>
-              </a:ln>
-              <a:effectLst/>
-            </c:spPr>
-          </c:marker>
-          <c:cat>
-            <c:numRef>
-              <c:f>ridge!$A$11:$A$15</c:f>
-              <c:numCache>
-                <c:formatCode>General</c:formatCode>
-                <c:ptCount val="5"/>
-                <c:pt idx="0">
-                  <c:v>0.01</c:v>
-                </c:pt>
-                <c:pt idx="1">
-                  <c:v>0.1</c:v>
-                </c:pt>
-                <c:pt idx="2">
-                  <c:v>1</c:v>
-                </c:pt>
-                <c:pt idx="3">
-                  <c:v>10</c:v>
-                </c:pt>
-                <c:pt idx="4">
-                  <c:v>100</c:v>
-                </c:pt>
-              </c:numCache>
-            </c:numRef>
-          </c:cat>
-          <c:val>
-            <c:numRef>
-              <c:f>ridge!$D$11:$D$15</c:f>
-              <c:numCache>
-                <c:formatCode>General</c:formatCode>
-                <c:ptCount val="5"/>
-                <c:pt idx="0">
-                  <c:v>0.98692000000000002</c:v>
-                </c:pt>
-                <c:pt idx="1">
-                  <c:v>0.98321000000000003</c:v>
-                </c:pt>
-                <c:pt idx="2">
-                  <c:v>0.97526000000000002</c:v>
-                </c:pt>
-                <c:pt idx="3">
-                  <c:v>0.97179000000000004</c:v>
-                </c:pt>
-                <c:pt idx="4">
-                  <c:v>0.97089999999999999</c:v>
-                </c:pt>
-              </c:numCache>
-            </c:numRef>
-          </c:val>
-          <c:smooth val="0"/>
-          <c:extLst>
-            <c:ext xmlns:c16="http://schemas.microsoft.com/office/drawing/2014/chart" uri="{C3380CC4-5D6E-409C-BE32-E72D297353CC}">
-              <c16:uniqueId val="{00000002-F439-407C-9107-B7BB7B1C95DA}"/>
-            </c:ext>
-          </c:extLst>
-        </c:ser>
-        <c:ser>
-          <c:idx val="4"/>
-          <c:order val="3"/>
-          <c:tx>
-            <c:strRef>
-              <c:f>ridge!$E$10</c:f>
-              <c:strCache>
-                <c:ptCount val="1"/>
-                <c:pt idx="0">
-                  <c:v>sparse_cg</c:v>
-                </c:pt>
-              </c:strCache>
-            </c:strRef>
-          </c:tx>
-          <c:spPr>
-            <a:ln w="28575" cap="rnd">
-              <a:solidFill>
-                <a:schemeClr val="accent4">
-                  <a:lumMod val="60000"/>
-                </a:schemeClr>
-              </a:solidFill>
-              <a:round/>
-            </a:ln>
-            <a:effectLst/>
-          </c:spPr>
-          <c:marker>
-            <c:symbol val="circle"/>
-            <c:size val="5"/>
-            <c:spPr>
-              <a:solidFill>
-                <a:schemeClr val="accent4">
-                  <a:lumMod val="60000"/>
-                </a:schemeClr>
-              </a:solidFill>
-              <a:ln w="9525">
-                <a:solidFill>
-                  <a:schemeClr val="accent4">
-                    <a:lumMod val="60000"/>
-                  </a:schemeClr>
-                </a:solidFill>
-              </a:ln>
-              <a:effectLst/>
-            </c:spPr>
-          </c:marker>
-          <c:cat>
-            <c:numRef>
-              <c:f>ridge!$A$11:$A$15</c:f>
-              <c:numCache>
-                <c:formatCode>General</c:formatCode>
-                <c:ptCount val="5"/>
-                <c:pt idx="0">
-                  <c:v>0.01</c:v>
-                </c:pt>
-                <c:pt idx="1">
-                  <c:v>0.1</c:v>
-                </c:pt>
-                <c:pt idx="2">
-                  <c:v>1</c:v>
-                </c:pt>
-                <c:pt idx="3">
-                  <c:v>10</c:v>
-                </c:pt>
-                <c:pt idx="4">
-                  <c:v>100</c:v>
-                </c:pt>
-              </c:numCache>
-            </c:numRef>
-          </c:cat>
-          <c:val>
-            <c:numRef>
-              <c:f>ridge!$E$11:$E$15</c:f>
-              <c:numCache>
-                <c:formatCode>General</c:formatCode>
-                <c:ptCount val="5"/>
-                <c:pt idx="0">
-                  <c:v>0.98692000000000002</c:v>
-                </c:pt>
-                <c:pt idx="1">
-                  <c:v>0.98321000000000003</c:v>
-                </c:pt>
-                <c:pt idx="2">
-                  <c:v>0.97526000000000002</c:v>
-                </c:pt>
-                <c:pt idx="3">
-                  <c:v>0.97179000000000004</c:v>
-                </c:pt>
-                <c:pt idx="4">
-                  <c:v>0.97089999999999999</c:v>
-                </c:pt>
-              </c:numCache>
-            </c:numRef>
-          </c:val>
-          <c:smooth val="0"/>
-          <c:extLst>
-            <c:ext xmlns:c16="http://schemas.microsoft.com/office/drawing/2014/chart" uri="{C3380CC4-5D6E-409C-BE32-E72D297353CC}">
-              <c16:uniqueId val="{00000003-F439-407C-9107-B7BB7B1C95DA}"/>
-            </c:ext>
-          </c:extLst>
-        </c:ser>
-        <c:ser>
-          <c:idx val="5"/>
-          <c:order val="4"/>
-          <c:tx>
-            <c:strRef>
-              <c:f>ridge!$F$10</c:f>
-              <c:strCache>
-                <c:ptCount val="1"/>
-                <c:pt idx="0">
-                  <c:v>sag</c:v>
                 </c:pt>
               </c:strCache>
             </c:strRef>
@@ -3423,8 +3331,8 @@
             <a:effectLst/>
           </c:spPr>
           <c:marker>
-            <c:symbol val="circle"/>
-            <c:size val="5"/>
+            <c:symbol val="triangle"/>
+            <c:size val="10"/>
             <c:spPr>
               <a:solidFill>
                 <a:schemeClr val="accent6">
@@ -3443,47 +3351,65 @@
           </c:marker>
           <c:cat>
             <c:numRef>
-              <c:f>ridge!$A$11:$A$15</c:f>
+              <c:f>ridge!$A$13:$A$20</c:f>
               <c:numCache>
                 <c:formatCode>General</c:formatCode>
-                <c:ptCount val="5"/>
+                <c:ptCount val="8"/>
                 <c:pt idx="0">
+                  <c:v>1E-4</c:v>
+                </c:pt>
+                <c:pt idx="1">
+                  <c:v>1E-3</c:v>
+                </c:pt>
+                <c:pt idx="2">
                   <c:v>0.01</c:v>
                 </c:pt>
-                <c:pt idx="1">
+                <c:pt idx="3">
                   <c:v>0.1</c:v>
                 </c:pt>
-                <c:pt idx="2">
+                <c:pt idx="4">
                   <c:v>1</c:v>
                 </c:pt>
-                <c:pt idx="3">
+                <c:pt idx="5">
                   <c:v>10</c:v>
                 </c:pt>
-                <c:pt idx="4">
+                <c:pt idx="6">
                   <c:v>100</c:v>
+                </c:pt>
+                <c:pt idx="7">
+                  <c:v>1000</c:v>
                 </c:pt>
               </c:numCache>
             </c:numRef>
           </c:cat>
           <c:val>
             <c:numRef>
-              <c:f>ridge!$F$11:$F$15</c:f>
+              <c:f>ridge!$D$13:$D$20</c:f>
               <c:numCache>
                 <c:formatCode>General</c:formatCode>
-                <c:ptCount val="5"/>
+                <c:ptCount val="8"/>
                 <c:pt idx="0">
+                  <c:v>0.98731000000000002</c:v>
+                </c:pt>
+                <c:pt idx="1">
+                  <c:v>0.98794999999999999</c:v>
+                </c:pt>
+                <c:pt idx="2">
                   <c:v>0.98692000000000002</c:v>
                 </c:pt>
-                <c:pt idx="1">
+                <c:pt idx="3">
                   <c:v>0.98321000000000003</c:v>
                 </c:pt>
-                <c:pt idx="2">
+                <c:pt idx="4">
                   <c:v>0.97526000000000002</c:v>
                 </c:pt>
-                <c:pt idx="3">
+                <c:pt idx="5">
                   <c:v>0.97179000000000004</c:v>
                 </c:pt>
-                <c:pt idx="4">
+                <c:pt idx="6">
+                  <c:v>0.97089999999999999</c:v>
+                </c:pt>
+                <c:pt idx="7">
                   <c:v>0.97089999999999999</c:v>
                 </c:pt>
               </c:numCache>
@@ -3492,7 +3418,233 @@
           <c:smooth val="0"/>
           <c:extLst>
             <c:ext xmlns:c16="http://schemas.microsoft.com/office/drawing/2014/chart" uri="{C3380CC4-5D6E-409C-BE32-E72D297353CC}">
-              <c16:uniqueId val="{00000004-F439-407C-9107-B7BB7B1C95DA}"/>
+              <c16:uniqueId val="{00000002-297C-4B61-A4A0-38F7607C86D5}"/>
+            </c:ext>
+          </c:extLst>
+        </c:ser>
+        <c:ser>
+          <c:idx val="4"/>
+          <c:order val="3"/>
+          <c:tx>
+            <c:strRef>
+              <c:f>ridge!$E$12</c:f>
+              <c:strCache>
+                <c:ptCount val="1"/>
+                <c:pt idx="0">
+                  <c:v>sparse_cg</c:v>
+                </c:pt>
+              </c:strCache>
+            </c:strRef>
+          </c:tx>
+          <c:spPr>
+            <a:ln w="28575" cap="rnd">
+              <a:solidFill>
+                <a:schemeClr val="accent5">
+                  <a:lumMod val="60000"/>
+                </a:schemeClr>
+              </a:solidFill>
+              <a:round/>
+            </a:ln>
+            <a:effectLst/>
+          </c:spPr>
+          <c:marker>
+            <c:symbol val="plus"/>
+            <c:size val="10"/>
+            <c:spPr>
+              <a:noFill/>
+              <a:ln w="9525">
+                <a:solidFill>
+                  <a:schemeClr val="accent5">
+                    <a:lumMod val="60000"/>
+                  </a:schemeClr>
+                </a:solidFill>
+              </a:ln>
+              <a:effectLst/>
+            </c:spPr>
+          </c:marker>
+          <c:cat>
+            <c:numRef>
+              <c:f>ridge!$A$13:$A$20</c:f>
+              <c:numCache>
+                <c:formatCode>General</c:formatCode>
+                <c:ptCount val="8"/>
+                <c:pt idx="0">
+                  <c:v>1E-4</c:v>
+                </c:pt>
+                <c:pt idx="1">
+                  <c:v>1E-3</c:v>
+                </c:pt>
+                <c:pt idx="2">
+                  <c:v>0.01</c:v>
+                </c:pt>
+                <c:pt idx="3">
+                  <c:v>0.1</c:v>
+                </c:pt>
+                <c:pt idx="4">
+                  <c:v>1</c:v>
+                </c:pt>
+                <c:pt idx="5">
+                  <c:v>10</c:v>
+                </c:pt>
+                <c:pt idx="6">
+                  <c:v>100</c:v>
+                </c:pt>
+                <c:pt idx="7">
+                  <c:v>1000</c:v>
+                </c:pt>
+              </c:numCache>
+            </c:numRef>
+          </c:cat>
+          <c:val>
+            <c:numRef>
+              <c:f>ridge!$E$13:$E$20</c:f>
+              <c:numCache>
+                <c:formatCode>General</c:formatCode>
+                <c:ptCount val="8"/>
+                <c:pt idx="0">
+                  <c:v>0.98731000000000002</c:v>
+                </c:pt>
+                <c:pt idx="1">
+                  <c:v>0.98794999999999999</c:v>
+                </c:pt>
+                <c:pt idx="2">
+                  <c:v>0.98692000000000002</c:v>
+                </c:pt>
+                <c:pt idx="3">
+                  <c:v>0.98321000000000003</c:v>
+                </c:pt>
+                <c:pt idx="4">
+                  <c:v>0.97526000000000002</c:v>
+                </c:pt>
+                <c:pt idx="5">
+                  <c:v>0.97179000000000004</c:v>
+                </c:pt>
+                <c:pt idx="6">
+                  <c:v>0.97089999999999999</c:v>
+                </c:pt>
+                <c:pt idx="7">
+                  <c:v>0.97089999999999999</c:v>
+                </c:pt>
+              </c:numCache>
+            </c:numRef>
+          </c:val>
+          <c:smooth val="0"/>
+          <c:extLst>
+            <c:ext xmlns:c16="http://schemas.microsoft.com/office/drawing/2014/chart" uri="{C3380CC4-5D6E-409C-BE32-E72D297353CC}">
+              <c16:uniqueId val="{00000003-297C-4B61-A4A0-38F7607C86D5}"/>
+            </c:ext>
+          </c:extLst>
+        </c:ser>
+        <c:ser>
+          <c:idx val="5"/>
+          <c:order val="4"/>
+          <c:tx>
+            <c:strRef>
+              <c:f>ridge!$F$12</c:f>
+              <c:strCache>
+                <c:ptCount val="1"/>
+                <c:pt idx="0">
+                  <c:v>sag</c:v>
+                </c:pt>
+              </c:strCache>
+            </c:strRef>
+          </c:tx>
+          <c:spPr>
+            <a:ln w="28575" cap="rnd">
+              <a:solidFill>
+                <a:schemeClr val="accent4">
+                  <a:lumMod val="60000"/>
+                </a:schemeClr>
+              </a:solidFill>
+              <a:round/>
+            </a:ln>
+            <a:effectLst/>
+          </c:spPr>
+          <c:marker>
+            <c:symbol val="x"/>
+            <c:size val="10"/>
+            <c:spPr>
+              <a:noFill/>
+              <a:ln w="9525">
+                <a:solidFill>
+                  <a:schemeClr val="accent4">
+                    <a:lumMod val="60000"/>
+                  </a:schemeClr>
+                </a:solidFill>
+              </a:ln>
+              <a:effectLst/>
+            </c:spPr>
+          </c:marker>
+          <c:cat>
+            <c:numRef>
+              <c:f>ridge!$A$13:$A$20</c:f>
+              <c:numCache>
+                <c:formatCode>General</c:formatCode>
+                <c:ptCount val="8"/>
+                <c:pt idx="0">
+                  <c:v>1E-4</c:v>
+                </c:pt>
+                <c:pt idx="1">
+                  <c:v>1E-3</c:v>
+                </c:pt>
+                <c:pt idx="2">
+                  <c:v>0.01</c:v>
+                </c:pt>
+                <c:pt idx="3">
+                  <c:v>0.1</c:v>
+                </c:pt>
+                <c:pt idx="4">
+                  <c:v>1</c:v>
+                </c:pt>
+                <c:pt idx="5">
+                  <c:v>10</c:v>
+                </c:pt>
+                <c:pt idx="6">
+                  <c:v>100</c:v>
+                </c:pt>
+                <c:pt idx="7">
+                  <c:v>1000</c:v>
+                </c:pt>
+              </c:numCache>
+            </c:numRef>
+          </c:cat>
+          <c:val>
+            <c:numRef>
+              <c:f>ridge!$F$13:$F$20</c:f>
+              <c:numCache>
+                <c:formatCode>General</c:formatCode>
+                <c:ptCount val="8"/>
+                <c:pt idx="0">
+                  <c:v>0.98731000000000002</c:v>
+                </c:pt>
+                <c:pt idx="1">
+                  <c:v>0.98794999999999999</c:v>
+                </c:pt>
+                <c:pt idx="2">
+                  <c:v>0.98692000000000002</c:v>
+                </c:pt>
+                <c:pt idx="3">
+                  <c:v>0.98321000000000003</c:v>
+                </c:pt>
+                <c:pt idx="4">
+                  <c:v>0.97526000000000002</c:v>
+                </c:pt>
+                <c:pt idx="5">
+                  <c:v>0.97179000000000004</c:v>
+                </c:pt>
+                <c:pt idx="6">
+                  <c:v>0.97089999999999999</c:v>
+                </c:pt>
+                <c:pt idx="7">
+                  <c:v>0.97102999999999995</c:v>
+                </c:pt>
+              </c:numCache>
+            </c:numRef>
+          </c:val>
+          <c:smooth val="0"/>
+          <c:extLst>
+            <c:ext xmlns:c16="http://schemas.microsoft.com/office/drawing/2014/chart" uri="{C3380CC4-5D6E-409C-BE32-E72D297353CC}">
+              <c16:uniqueId val="{00000004-297C-4B61-A4A0-38F7607C86D5}"/>
             </c:ext>
           </c:extLst>
         </c:ser>
@@ -3501,7 +3653,7 @@
           <c:order val="5"/>
           <c:tx>
             <c:strRef>
-              <c:f>ridge!$G$10</c:f>
+              <c:f>ridge!$G$12</c:f>
               <c:strCache>
                 <c:ptCount val="1"/>
                 <c:pt idx="0">
@@ -3513,7 +3665,7 @@
           <c:spPr>
             <a:ln w="28575" cap="rnd">
               <a:solidFill>
-                <a:schemeClr val="accent2">
+                <a:schemeClr val="accent6">
                   <a:lumMod val="80000"/>
                   <a:lumOff val="20000"/>
                 </a:schemeClr>
@@ -3523,18 +3675,18 @@
             <a:effectLst/>
           </c:spPr>
           <c:marker>
-            <c:symbol val="circle"/>
-            <c:size val="5"/>
+            <c:symbol val="square"/>
+            <c:size val="10"/>
             <c:spPr>
               <a:solidFill>
-                <a:schemeClr val="accent2">
+                <a:schemeClr val="accent6">
                   <a:lumMod val="80000"/>
                   <a:lumOff val="20000"/>
                 </a:schemeClr>
               </a:solidFill>
               <a:ln w="9525">
                 <a:solidFill>
-                  <a:schemeClr val="accent2">
+                  <a:schemeClr val="accent6">
                     <a:lumMod val="80000"/>
                     <a:lumOff val="20000"/>
                   </a:schemeClr>
@@ -3545,48 +3697,66 @@
           </c:marker>
           <c:cat>
             <c:numRef>
-              <c:f>ridge!$A$11:$A$15</c:f>
+              <c:f>ridge!$A$13:$A$20</c:f>
               <c:numCache>
                 <c:formatCode>General</c:formatCode>
-                <c:ptCount val="5"/>
+                <c:ptCount val="8"/>
                 <c:pt idx="0">
+                  <c:v>1E-4</c:v>
+                </c:pt>
+                <c:pt idx="1">
+                  <c:v>1E-3</c:v>
+                </c:pt>
+                <c:pt idx="2">
                   <c:v>0.01</c:v>
                 </c:pt>
-                <c:pt idx="1">
+                <c:pt idx="3">
                   <c:v>0.1</c:v>
                 </c:pt>
-                <c:pt idx="2">
+                <c:pt idx="4">
                   <c:v>1</c:v>
                 </c:pt>
-                <c:pt idx="3">
+                <c:pt idx="5">
                   <c:v>10</c:v>
                 </c:pt>
-                <c:pt idx="4">
+                <c:pt idx="6">
                   <c:v>100</c:v>
+                </c:pt>
+                <c:pt idx="7">
+                  <c:v>1000</c:v>
                 </c:pt>
               </c:numCache>
             </c:numRef>
           </c:cat>
           <c:val>
             <c:numRef>
-              <c:f>ridge!$G$11:$G$15</c:f>
+              <c:f>ridge!$G$13:$G$20</c:f>
               <c:numCache>
                 <c:formatCode>General</c:formatCode>
-                <c:ptCount val="5"/>
+                <c:ptCount val="8"/>
                 <c:pt idx="0">
+                  <c:v>0.98731000000000002</c:v>
+                </c:pt>
+                <c:pt idx="1">
+                  <c:v>0.98794999999999999</c:v>
+                </c:pt>
+                <c:pt idx="2">
                   <c:v>0.98692000000000002</c:v>
                 </c:pt>
-                <c:pt idx="1">
+                <c:pt idx="3">
                   <c:v>0.98321000000000003</c:v>
                 </c:pt>
-                <c:pt idx="2">
+                <c:pt idx="4">
                   <c:v>0.97526000000000002</c:v>
                 </c:pt>
-                <c:pt idx="3">
+                <c:pt idx="5">
                   <c:v>0.97179000000000004</c:v>
                 </c:pt>
-                <c:pt idx="4">
+                <c:pt idx="6">
                   <c:v>0.97089999999999999</c:v>
+                </c:pt>
+                <c:pt idx="7">
+                  <c:v>0.97102999999999995</c:v>
                 </c:pt>
               </c:numCache>
             </c:numRef>
@@ -3594,7 +3764,7 @@
           <c:smooth val="0"/>
           <c:extLst>
             <c:ext xmlns:c16="http://schemas.microsoft.com/office/drawing/2014/chart" uri="{C3380CC4-5D6E-409C-BE32-E72D297353CC}">
-              <c16:uniqueId val="{00000005-F439-407C-9107-B7BB7B1C95DA}"/>
+              <c16:uniqueId val="{00000005-297C-4B61-A4A0-38F7607C86D5}"/>
             </c:ext>
           </c:extLst>
         </c:ser>
@@ -3608,11 +3778,11 @@
         </c:dLbls>
         <c:marker val="1"/>
         <c:smooth val="0"/>
-        <c:axId val="631357424"/>
-        <c:axId val="631358408"/>
+        <c:axId val="637291008"/>
+        <c:axId val="698179152"/>
       </c:lineChart>
       <c:catAx>
-        <c:axId val="631357424"/>
+        <c:axId val="637291008"/>
         <c:scaling>
           <c:orientation val="minMax"/>
         </c:scaling>
@@ -3625,9 +3795,7 @@
         <c:spPr>
           <a:noFill/>
           <a:ln w="9525" cap="flat" cmpd="sng" algn="ctr">
-            <a:solidFill>
-              <a:schemeClr val="tx1"/>
-            </a:solidFill>
+            <a:noFill/>
             <a:round/>
           </a:ln>
           <a:effectLst/>
@@ -3649,7 +3817,7 @@
             <a:endParaRPr lang="zh-CN"/>
           </a:p>
         </c:txPr>
-        <c:crossAx val="631358408"/>
+        <c:crossAx val="698179152"/>
         <c:crosses val="autoZero"/>
         <c:auto val="1"/>
         <c:lblAlgn val="ctr"/>
@@ -3657,12 +3825,22 @@
         <c:noMultiLvlLbl val="0"/>
       </c:catAx>
       <c:valAx>
-        <c:axId val="631358408"/>
+        <c:axId val="698179152"/>
         <c:scaling>
           <c:orientation val="minMax"/>
+          <c:min val="0.97"/>
         </c:scaling>
         <c:delete val="0"/>
         <c:axPos val="l"/>
+        <c:majorGridlines>
+          <c:spPr>
+            <a:ln w="9525" cap="flat" cmpd="sng" algn="ctr">
+              <a:noFill/>
+              <a:round/>
+            </a:ln>
+            <a:effectLst/>
+          </c:spPr>
+        </c:majorGridlines>
         <c:numFmt formatCode="General" sourceLinked="1"/>
         <c:majorTickMark val="none"/>
         <c:minorTickMark val="none"/>
@@ -3691,7 +3869,7 @@
             <a:endParaRPr lang="zh-CN"/>
           </a:p>
         </c:txPr>
-        <c:crossAx val="631357424"/>
+        <c:crossAx val="637291008"/>
         <c:crosses val="autoZero"/>
         <c:crossBetween val="between"/>
       </c:valAx>
@@ -3791,11 +3969,116 @@
           <c:order val="0"/>
           <c:tx>
             <c:strRef>
-              <c:f>ridge!$B$18</c:f>
+              <c:f>ridge!$B$23</c:f>
               <c:strCache>
                 <c:ptCount val="1"/>
                 <c:pt idx="0">
                   <c:v>svd</c:v>
+                </c:pt>
+              </c:strCache>
+            </c:strRef>
+          </c:tx>
+          <c:spPr>
+            <a:ln w="28575" cap="rnd">
+              <a:solidFill>
+                <a:schemeClr val="accent5"/>
+              </a:solidFill>
+              <a:round/>
+            </a:ln>
+            <a:effectLst/>
+          </c:spPr>
+          <c:marker>
+            <c:symbol val="diamond"/>
+            <c:size val="10"/>
+            <c:spPr>
+              <a:solidFill>
+                <a:schemeClr val="accent5"/>
+              </a:solidFill>
+              <a:ln w="9525">
+                <a:solidFill>
+                  <a:schemeClr val="accent5"/>
+                </a:solidFill>
+              </a:ln>
+              <a:effectLst/>
+            </c:spPr>
+          </c:marker>
+          <c:cat>
+            <c:numRef>
+              <c:f>ridge!$A$24:$A$30</c:f>
+              <c:numCache>
+                <c:formatCode>General</c:formatCode>
+                <c:ptCount val="7"/>
+                <c:pt idx="0">
+                  <c:v>1E-3</c:v>
+                </c:pt>
+                <c:pt idx="1">
+                  <c:v>0.01</c:v>
+                </c:pt>
+                <c:pt idx="2">
+                  <c:v>0.1</c:v>
+                </c:pt>
+                <c:pt idx="3">
+                  <c:v>1</c:v>
+                </c:pt>
+                <c:pt idx="4">
+                  <c:v>10</c:v>
+                </c:pt>
+                <c:pt idx="5">
+                  <c:v>100</c:v>
+                </c:pt>
+                <c:pt idx="6">
+                  <c:v>1000</c:v>
+                </c:pt>
+              </c:numCache>
+            </c:numRef>
+          </c:cat>
+          <c:val>
+            <c:numRef>
+              <c:f>ridge!$B$24:$B$30</c:f>
+              <c:numCache>
+                <c:formatCode>General</c:formatCode>
+                <c:ptCount val="7"/>
+                <c:pt idx="0">
+                  <c:v>0.97345999999999999</c:v>
+                </c:pt>
+                <c:pt idx="1">
+                  <c:v>0.97384999999999999</c:v>
+                </c:pt>
+                <c:pt idx="2">
+                  <c:v>0.97614999999999996</c:v>
+                </c:pt>
+                <c:pt idx="3">
+                  <c:v>0.98372000000000004</c:v>
+                </c:pt>
+                <c:pt idx="4">
+                  <c:v>0.98641000000000001</c:v>
+                </c:pt>
+                <c:pt idx="5">
+                  <c:v>0.98692000000000002</c:v>
+                </c:pt>
+                <c:pt idx="6">
+                  <c:v>0.98282000000000003</c:v>
+                </c:pt>
+              </c:numCache>
+            </c:numRef>
+          </c:val>
+          <c:smooth val="0"/>
+          <c:extLst>
+            <c:ext xmlns:c16="http://schemas.microsoft.com/office/drawing/2014/chart" uri="{C3380CC4-5D6E-409C-BE32-E72D297353CC}">
+              <c16:uniqueId val="{00000000-93E7-47C2-99A8-7DAF9430E22A}"/>
+            </c:ext>
+          </c:extLst>
+        </c:ser>
+        <c:ser>
+          <c:idx val="2"/>
+          <c:order val="1"/>
+          <c:tx>
+            <c:strRef>
+              <c:f>ridge!$C$23</c:f>
+              <c:strCache>
+                <c:ptCount val="1"/>
+                <c:pt idx="0">
+                  <c:v>cholesky</c:v>
                 </c:pt>
               </c:strCache>
             </c:strRef>
@@ -3811,7 +4094,7 @@
           </c:spPr>
           <c:marker>
             <c:symbol val="circle"/>
-            <c:size val="5"/>
+            <c:size val="10"/>
             <c:spPr>
               <a:solidFill>
                 <a:schemeClr val="accent4"/>
@@ -3826,48 +4109,60 @@
           </c:marker>
           <c:cat>
             <c:numRef>
-              <c:f>ridge!$A$19:$A$23</c:f>
+              <c:f>ridge!$A$24:$A$30</c:f>
               <c:numCache>
                 <c:formatCode>General</c:formatCode>
-                <c:ptCount val="5"/>
+                <c:ptCount val="7"/>
                 <c:pt idx="0">
+                  <c:v>1E-3</c:v>
+                </c:pt>
+                <c:pt idx="1">
                   <c:v>0.01</c:v>
                 </c:pt>
-                <c:pt idx="1">
+                <c:pt idx="2">
                   <c:v>0.1</c:v>
                 </c:pt>
-                <c:pt idx="2">
+                <c:pt idx="3">
                   <c:v>1</c:v>
                 </c:pt>
-                <c:pt idx="3">
+                <c:pt idx="4">
                   <c:v>10</c:v>
                 </c:pt>
-                <c:pt idx="4">
+                <c:pt idx="5">
                   <c:v>100</c:v>
+                </c:pt>
+                <c:pt idx="6">
+                  <c:v>1000</c:v>
                 </c:pt>
               </c:numCache>
             </c:numRef>
           </c:cat>
           <c:val>
             <c:numRef>
-              <c:f>ridge!$B$19:$B$23</c:f>
+              <c:f>ridge!$C$24:$C$30</c:f>
               <c:numCache>
                 <c:formatCode>General</c:formatCode>
-                <c:ptCount val="5"/>
+                <c:ptCount val="7"/>
                 <c:pt idx="0">
+                  <c:v>0.97345999999999999</c:v>
+                </c:pt>
+                <c:pt idx="1">
                   <c:v>0.97384999999999999</c:v>
                 </c:pt>
-                <c:pt idx="1">
+                <c:pt idx="2">
                   <c:v>0.97614999999999996</c:v>
                 </c:pt>
-                <c:pt idx="2">
+                <c:pt idx="3">
                   <c:v>0.98372000000000004</c:v>
                 </c:pt>
-                <c:pt idx="3">
+                <c:pt idx="4">
                   <c:v>0.98641000000000001</c:v>
                 </c:pt>
-                <c:pt idx="4">
+                <c:pt idx="5">
                   <c:v>0.98692000000000002</c:v>
+                </c:pt>
+                <c:pt idx="6">
+                  <c:v>0.98282000000000003</c:v>
                 </c:pt>
               </c:numCache>
             </c:numRef>
@@ -3875,100 +4170,7 @@
           <c:smooth val="0"/>
           <c:extLst>
             <c:ext xmlns:c16="http://schemas.microsoft.com/office/drawing/2014/chart" uri="{C3380CC4-5D6E-409C-BE32-E72D297353CC}">
-              <c16:uniqueId val="{00000000-CE60-4011-A507-5DDB7CAA2E5B}"/>
-            </c:ext>
-          </c:extLst>
-        </c:ser>
-        <c:ser>
-          <c:idx val="2"/>
-          <c:order val="1"/>
-          <c:tx>
-            <c:strRef>
-              <c:f>ridge!$C$18</c:f>
-              <c:strCache>
-                <c:ptCount val="1"/>
-                <c:pt idx="0">
-                  <c:v>cholesky</c:v>
-                </c:pt>
-              </c:strCache>
-            </c:strRef>
-          </c:tx>
-          <c:spPr>
-            <a:ln w="28575" cap="rnd">
-              <a:solidFill>
-                <a:schemeClr val="accent6"/>
-              </a:solidFill>
-              <a:round/>
-            </a:ln>
-            <a:effectLst/>
-          </c:spPr>
-          <c:marker>
-            <c:symbol val="circle"/>
-            <c:size val="5"/>
-            <c:spPr>
-              <a:solidFill>
-                <a:schemeClr val="accent6"/>
-              </a:solidFill>
-              <a:ln w="9525">
-                <a:solidFill>
-                  <a:schemeClr val="accent6"/>
-                </a:solidFill>
-              </a:ln>
-              <a:effectLst/>
-            </c:spPr>
-          </c:marker>
-          <c:cat>
-            <c:numRef>
-              <c:f>ridge!$A$19:$A$23</c:f>
-              <c:numCache>
-                <c:formatCode>General</c:formatCode>
-                <c:ptCount val="5"/>
-                <c:pt idx="0">
-                  <c:v>0.01</c:v>
-                </c:pt>
-                <c:pt idx="1">
-                  <c:v>0.1</c:v>
-                </c:pt>
-                <c:pt idx="2">
-                  <c:v>1</c:v>
-                </c:pt>
-                <c:pt idx="3">
-                  <c:v>10</c:v>
-                </c:pt>
-                <c:pt idx="4">
-                  <c:v>100</c:v>
-                </c:pt>
-              </c:numCache>
-            </c:numRef>
-          </c:cat>
-          <c:val>
-            <c:numRef>
-              <c:f>ridge!$C$19:$C$23</c:f>
-              <c:numCache>
-                <c:formatCode>General</c:formatCode>
-                <c:ptCount val="5"/>
-                <c:pt idx="0">
-                  <c:v>0.97384999999999999</c:v>
-                </c:pt>
-                <c:pt idx="1">
-                  <c:v>0.97614999999999996</c:v>
-                </c:pt>
-                <c:pt idx="2">
-                  <c:v>0.98372000000000004</c:v>
-                </c:pt>
-                <c:pt idx="3">
-                  <c:v>0.98641000000000001</c:v>
-                </c:pt>
-                <c:pt idx="4">
-                  <c:v>0.98692000000000002</c:v>
-                </c:pt>
-              </c:numCache>
-            </c:numRef>
-          </c:val>
-          <c:smooth val="0"/>
-          <c:extLst>
-            <c:ext xmlns:c16="http://schemas.microsoft.com/office/drawing/2014/chart" uri="{C3380CC4-5D6E-409C-BE32-E72D297353CC}">
-              <c16:uniqueId val="{00000001-CE60-4011-A507-5DDB7CAA2E5B}"/>
+              <c16:uniqueId val="{00000001-93E7-47C2-99A8-7DAF9430E22A}"/>
             </c:ext>
           </c:extLst>
         </c:ser>
@@ -3977,209 +4179,11 @@
           <c:order val="2"/>
           <c:tx>
             <c:strRef>
-              <c:f>ridge!$D$18</c:f>
+              <c:f>ridge!$D$23</c:f>
               <c:strCache>
                 <c:ptCount val="1"/>
                 <c:pt idx="0">
                   <c:v>lsqr</c:v>
-                </c:pt>
-              </c:strCache>
-            </c:strRef>
-          </c:tx>
-          <c:spPr>
-            <a:ln w="28575" cap="rnd">
-              <a:solidFill>
-                <a:schemeClr val="accent2">
-                  <a:lumMod val="60000"/>
-                </a:schemeClr>
-              </a:solidFill>
-              <a:round/>
-            </a:ln>
-            <a:effectLst/>
-          </c:spPr>
-          <c:marker>
-            <c:symbol val="circle"/>
-            <c:size val="5"/>
-            <c:spPr>
-              <a:solidFill>
-                <a:schemeClr val="accent2">
-                  <a:lumMod val="60000"/>
-                </a:schemeClr>
-              </a:solidFill>
-              <a:ln w="9525">
-                <a:solidFill>
-                  <a:schemeClr val="accent2">
-                    <a:lumMod val="60000"/>
-                  </a:schemeClr>
-                </a:solidFill>
-              </a:ln>
-              <a:effectLst/>
-            </c:spPr>
-          </c:marker>
-          <c:cat>
-            <c:numRef>
-              <c:f>ridge!$A$19:$A$23</c:f>
-              <c:numCache>
-                <c:formatCode>General</c:formatCode>
-                <c:ptCount val="5"/>
-                <c:pt idx="0">
-                  <c:v>0.01</c:v>
-                </c:pt>
-                <c:pt idx="1">
-                  <c:v>0.1</c:v>
-                </c:pt>
-                <c:pt idx="2">
-                  <c:v>1</c:v>
-                </c:pt>
-                <c:pt idx="3">
-                  <c:v>10</c:v>
-                </c:pt>
-                <c:pt idx="4">
-                  <c:v>100</c:v>
-                </c:pt>
-              </c:numCache>
-            </c:numRef>
-          </c:cat>
-          <c:val>
-            <c:numRef>
-              <c:f>ridge!$D$19:$D$23</c:f>
-              <c:numCache>
-                <c:formatCode>General</c:formatCode>
-                <c:ptCount val="5"/>
-                <c:pt idx="0">
-                  <c:v>0.97372000000000003</c:v>
-                </c:pt>
-                <c:pt idx="1">
-                  <c:v>0.97641</c:v>
-                </c:pt>
-                <c:pt idx="2">
-                  <c:v>0.98358999999999996</c:v>
-                </c:pt>
-                <c:pt idx="3">
-                  <c:v>0.98641000000000001</c:v>
-                </c:pt>
-                <c:pt idx="4">
-                  <c:v>0.98692000000000002</c:v>
-                </c:pt>
-              </c:numCache>
-            </c:numRef>
-          </c:val>
-          <c:smooth val="0"/>
-          <c:extLst>
-            <c:ext xmlns:c16="http://schemas.microsoft.com/office/drawing/2014/chart" uri="{C3380CC4-5D6E-409C-BE32-E72D297353CC}">
-              <c16:uniqueId val="{00000002-CE60-4011-A507-5DDB7CAA2E5B}"/>
-            </c:ext>
-          </c:extLst>
-        </c:ser>
-        <c:ser>
-          <c:idx val="4"/>
-          <c:order val="3"/>
-          <c:tx>
-            <c:strRef>
-              <c:f>ridge!$E$18</c:f>
-              <c:strCache>
-                <c:ptCount val="1"/>
-                <c:pt idx="0">
-                  <c:v>sparse_cg</c:v>
-                </c:pt>
-              </c:strCache>
-            </c:strRef>
-          </c:tx>
-          <c:spPr>
-            <a:ln w="28575" cap="rnd">
-              <a:solidFill>
-                <a:schemeClr val="accent4">
-                  <a:lumMod val="60000"/>
-                </a:schemeClr>
-              </a:solidFill>
-              <a:round/>
-            </a:ln>
-            <a:effectLst/>
-          </c:spPr>
-          <c:marker>
-            <c:symbol val="circle"/>
-            <c:size val="5"/>
-            <c:spPr>
-              <a:solidFill>
-                <a:schemeClr val="accent4">
-                  <a:lumMod val="60000"/>
-                </a:schemeClr>
-              </a:solidFill>
-              <a:ln w="9525">
-                <a:solidFill>
-                  <a:schemeClr val="accent4">
-                    <a:lumMod val="60000"/>
-                  </a:schemeClr>
-                </a:solidFill>
-              </a:ln>
-              <a:effectLst/>
-            </c:spPr>
-          </c:marker>
-          <c:cat>
-            <c:numRef>
-              <c:f>ridge!$A$19:$A$23</c:f>
-              <c:numCache>
-                <c:formatCode>General</c:formatCode>
-                <c:ptCount val="5"/>
-                <c:pt idx="0">
-                  <c:v>0.01</c:v>
-                </c:pt>
-                <c:pt idx="1">
-                  <c:v>0.1</c:v>
-                </c:pt>
-                <c:pt idx="2">
-                  <c:v>1</c:v>
-                </c:pt>
-                <c:pt idx="3">
-                  <c:v>10</c:v>
-                </c:pt>
-                <c:pt idx="4">
-                  <c:v>100</c:v>
-                </c:pt>
-              </c:numCache>
-            </c:numRef>
-          </c:cat>
-          <c:val>
-            <c:numRef>
-              <c:f>ridge!$E$19:$E$23</c:f>
-              <c:numCache>
-                <c:formatCode>General</c:formatCode>
-                <c:ptCount val="5"/>
-                <c:pt idx="0">
-                  <c:v>0.97397</c:v>
-                </c:pt>
-                <c:pt idx="1">
-                  <c:v>0.97653999999999996</c:v>
-                </c:pt>
-                <c:pt idx="2">
-                  <c:v>0.98358999999999996</c:v>
-                </c:pt>
-                <c:pt idx="3">
-                  <c:v>0.98641000000000001</c:v>
-                </c:pt>
-                <c:pt idx="4">
-                  <c:v>0.98692000000000002</c:v>
-                </c:pt>
-              </c:numCache>
-            </c:numRef>
-          </c:val>
-          <c:smooth val="0"/>
-          <c:extLst>
-            <c:ext xmlns:c16="http://schemas.microsoft.com/office/drawing/2014/chart" uri="{C3380CC4-5D6E-409C-BE32-E72D297353CC}">
-              <c16:uniqueId val="{00000003-CE60-4011-A507-5DDB7CAA2E5B}"/>
-            </c:ext>
-          </c:extLst>
-        </c:ser>
-        <c:ser>
-          <c:idx val="5"/>
-          <c:order val="4"/>
-          <c:tx>
-            <c:strRef>
-              <c:f>ridge!$F$18</c:f>
-              <c:strCache>
-                <c:ptCount val="1"/>
-                <c:pt idx="0">
-                  <c:v>sag</c:v>
                 </c:pt>
               </c:strCache>
             </c:strRef>
@@ -4196,8 +4200,8 @@
             <a:effectLst/>
           </c:spPr>
           <c:marker>
-            <c:symbol val="circle"/>
-            <c:size val="5"/>
+            <c:symbol val="triangle"/>
+            <c:size val="10"/>
             <c:spPr>
               <a:solidFill>
                 <a:schemeClr val="accent6">
@@ -4216,48 +4220,60 @@
           </c:marker>
           <c:cat>
             <c:numRef>
-              <c:f>ridge!$A$19:$A$23</c:f>
+              <c:f>ridge!$A$24:$A$30</c:f>
               <c:numCache>
                 <c:formatCode>General</c:formatCode>
-                <c:ptCount val="5"/>
+                <c:ptCount val="7"/>
                 <c:pt idx="0">
+                  <c:v>1E-3</c:v>
+                </c:pt>
+                <c:pt idx="1">
                   <c:v>0.01</c:v>
                 </c:pt>
-                <c:pt idx="1">
+                <c:pt idx="2">
                   <c:v>0.1</c:v>
                 </c:pt>
-                <c:pt idx="2">
+                <c:pt idx="3">
                   <c:v>1</c:v>
                 </c:pt>
-                <c:pt idx="3">
+                <c:pt idx="4">
                   <c:v>10</c:v>
                 </c:pt>
-                <c:pt idx="4">
+                <c:pt idx="5">
                   <c:v>100</c:v>
+                </c:pt>
+                <c:pt idx="6">
+                  <c:v>1000</c:v>
                 </c:pt>
               </c:numCache>
             </c:numRef>
           </c:cat>
           <c:val>
             <c:numRef>
-              <c:f>ridge!$F$19:$F$23</c:f>
+              <c:f>ridge!$D$24:$D$30</c:f>
               <c:numCache>
                 <c:formatCode>General</c:formatCode>
-                <c:ptCount val="5"/>
+                <c:ptCount val="7"/>
                 <c:pt idx="0">
-                  <c:v>0.97436</c:v>
+                  <c:v>0.97321000000000002</c:v>
                 </c:pt>
                 <c:pt idx="1">
-                  <c:v>0.97653999999999996</c:v>
+                  <c:v>0.97372000000000003</c:v>
                 </c:pt>
                 <c:pt idx="2">
+                  <c:v>0.97641</c:v>
+                </c:pt>
+                <c:pt idx="3">
                   <c:v>0.98358999999999996</c:v>
                 </c:pt>
-                <c:pt idx="3">
+                <c:pt idx="4">
                   <c:v>0.98641000000000001</c:v>
                 </c:pt>
-                <c:pt idx="4">
+                <c:pt idx="5">
                   <c:v>0.98692000000000002</c:v>
+                </c:pt>
+                <c:pt idx="6">
+                  <c:v>0.98282000000000003</c:v>
                 </c:pt>
               </c:numCache>
             </c:numRef>
@@ -4265,7 +4281,221 @@
           <c:smooth val="0"/>
           <c:extLst>
             <c:ext xmlns:c16="http://schemas.microsoft.com/office/drawing/2014/chart" uri="{C3380CC4-5D6E-409C-BE32-E72D297353CC}">
-              <c16:uniqueId val="{00000004-CE60-4011-A507-5DDB7CAA2E5B}"/>
+              <c16:uniqueId val="{00000002-93E7-47C2-99A8-7DAF9430E22A}"/>
+            </c:ext>
+          </c:extLst>
+        </c:ser>
+        <c:ser>
+          <c:idx val="4"/>
+          <c:order val="3"/>
+          <c:tx>
+            <c:strRef>
+              <c:f>ridge!$E$23</c:f>
+              <c:strCache>
+                <c:ptCount val="1"/>
+                <c:pt idx="0">
+                  <c:v>sparse_cg</c:v>
+                </c:pt>
+              </c:strCache>
+            </c:strRef>
+          </c:tx>
+          <c:spPr>
+            <a:ln w="28575" cap="rnd">
+              <a:solidFill>
+                <a:schemeClr val="accent5">
+                  <a:lumMod val="60000"/>
+                </a:schemeClr>
+              </a:solidFill>
+              <a:round/>
+            </a:ln>
+            <a:effectLst/>
+          </c:spPr>
+          <c:marker>
+            <c:symbol val="plus"/>
+            <c:size val="10"/>
+            <c:spPr>
+              <a:noFill/>
+              <a:ln w="9525">
+                <a:solidFill>
+                  <a:schemeClr val="accent5">
+                    <a:lumMod val="60000"/>
+                  </a:schemeClr>
+                </a:solidFill>
+              </a:ln>
+              <a:effectLst/>
+            </c:spPr>
+          </c:marker>
+          <c:cat>
+            <c:numRef>
+              <c:f>ridge!$A$24:$A$30</c:f>
+              <c:numCache>
+                <c:formatCode>General</c:formatCode>
+                <c:ptCount val="7"/>
+                <c:pt idx="0">
+                  <c:v>1E-3</c:v>
+                </c:pt>
+                <c:pt idx="1">
+                  <c:v>0.01</c:v>
+                </c:pt>
+                <c:pt idx="2">
+                  <c:v>0.1</c:v>
+                </c:pt>
+                <c:pt idx="3">
+                  <c:v>1</c:v>
+                </c:pt>
+                <c:pt idx="4">
+                  <c:v>10</c:v>
+                </c:pt>
+                <c:pt idx="5">
+                  <c:v>100</c:v>
+                </c:pt>
+                <c:pt idx="6">
+                  <c:v>1000</c:v>
+                </c:pt>
+              </c:numCache>
+            </c:numRef>
+          </c:cat>
+          <c:val>
+            <c:numRef>
+              <c:f>ridge!$E$24:$E$30</c:f>
+              <c:numCache>
+                <c:formatCode>General</c:formatCode>
+                <c:ptCount val="7"/>
+                <c:pt idx="0">
+                  <c:v>0.97384999999999999</c:v>
+                </c:pt>
+                <c:pt idx="1">
+                  <c:v>0.97397</c:v>
+                </c:pt>
+                <c:pt idx="2">
+                  <c:v>0.97653999999999996</c:v>
+                </c:pt>
+                <c:pt idx="3">
+                  <c:v>0.98358999999999996</c:v>
+                </c:pt>
+                <c:pt idx="4">
+                  <c:v>0.98641000000000001</c:v>
+                </c:pt>
+                <c:pt idx="5">
+                  <c:v>0.98692000000000002</c:v>
+                </c:pt>
+                <c:pt idx="6">
+                  <c:v>0.98282000000000003</c:v>
+                </c:pt>
+              </c:numCache>
+            </c:numRef>
+          </c:val>
+          <c:smooth val="0"/>
+          <c:extLst>
+            <c:ext xmlns:c16="http://schemas.microsoft.com/office/drawing/2014/chart" uri="{C3380CC4-5D6E-409C-BE32-E72D297353CC}">
+              <c16:uniqueId val="{00000003-93E7-47C2-99A8-7DAF9430E22A}"/>
+            </c:ext>
+          </c:extLst>
+        </c:ser>
+        <c:ser>
+          <c:idx val="5"/>
+          <c:order val="4"/>
+          <c:tx>
+            <c:strRef>
+              <c:f>ridge!$F$23</c:f>
+              <c:strCache>
+                <c:ptCount val="1"/>
+                <c:pt idx="0">
+                  <c:v>sag</c:v>
+                </c:pt>
+              </c:strCache>
+            </c:strRef>
+          </c:tx>
+          <c:spPr>
+            <a:ln w="28575" cap="rnd">
+              <a:solidFill>
+                <a:schemeClr val="accent4">
+                  <a:lumMod val="60000"/>
+                </a:schemeClr>
+              </a:solidFill>
+              <a:round/>
+            </a:ln>
+            <a:effectLst/>
+          </c:spPr>
+          <c:marker>
+            <c:symbol val="x"/>
+            <c:size val="10"/>
+            <c:spPr>
+              <a:noFill/>
+              <a:ln w="9525">
+                <a:solidFill>
+                  <a:schemeClr val="accent4">
+                    <a:lumMod val="60000"/>
+                  </a:schemeClr>
+                </a:solidFill>
+              </a:ln>
+              <a:effectLst/>
+            </c:spPr>
+          </c:marker>
+          <c:cat>
+            <c:numRef>
+              <c:f>ridge!$A$24:$A$30</c:f>
+              <c:numCache>
+                <c:formatCode>General</c:formatCode>
+                <c:ptCount val="7"/>
+                <c:pt idx="0">
+                  <c:v>1E-3</c:v>
+                </c:pt>
+                <c:pt idx="1">
+                  <c:v>0.01</c:v>
+                </c:pt>
+                <c:pt idx="2">
+                  <c:v>0.1</c:v>
+                </c:pt>
+                <c:pt idx="3">
+                  <c:v>1</c:v>
+                </c:pt>
+                <c:pt idx="4">
+                  <c:v>10</c:v>
+                </c:pt>
+                <c:pt idx="5">
+                  <c:v>100</c:v>
+                </c:pt>
+                <c:pt idx="6">
+                  <c:v>1000</c:v>
+                </c:pt>
+              </c:numCache>
+            </c:numRef>
+          </c:cat>
+          <c:val>
+            <c:numRef>
+              <c:f>ridge!$F$24:$F$30</c:f>
+              <c:numCache>
+                <c:formatCode>General</c:formatCode>
+                <c:ptCount val="7"/>
+                <c:pt idx="0">
+                  <c:v>0.97372000000000003</c:v>
+                </c:pt>
+                <c:pt idx="1">
+                  <c:v>0.97436</c:v>
+                </c:pt>
+                <c:pt idx="2">
+                  <c:v>0.97653999999999996</c:v>
+                </c:pt>
+                <c:pt idx="3">
+                  <c:v>0.98358999999999996</c:v>
+                </c:pt>
+                <c:pt idx="4">
+                  <c:v>0.98641000000000001</c:v>
+                </c:pt>
+                <c:pt idx="5">
+                  <c:v>0.98692000000000002</c:v>
+                </c:pt>
+                <c:pt idx="6">
+                  <c:v>0.98282000000000003</c:v>
+                </c:pt>
+              </c:numCache>
+            </c:numRef>
+          </c:val>
+          <c:smooth val="0"/>
+          <c:extLst>
+            <c:ext xmlns:c16="http://schemas.microsoft.com/office/drawing/2014/chart" uri="{C3380CC4-5D6E-409C-BE32-E72D297353CC}">
+              <c16:uniqueId val="{00000004-93E7-47C2-99A8-7DAF9430E22A}"/>
             </c:ext>
           </c:extLst>
         </c:ser>
@@ -4274,7 +4504,7 @@
           <c:order val="5"/>
           <c:tx>
             <c:strRef>
-              <c:f>ridge!$G$18</c:f>
+              <c:f>ridge!$G$23</c:f>
               <c:strCache>
                 <c:ptCount val="1"/>
                 <c:pt idx="0">
@@ -4286,7 +4516,7 @@
           <c:spPr>
             <a:ln w="28575" cap="rnd">
               <a:solidFill>
-                <a:schemeClr val="accent2">
+                <a:schemeClr val="accent6">
                   <a:lumMod val="80000"/>
                   <a:lumOff val="20000"/>
                 </a:schemeClr>
@@ -4296,18 +4526,18 @@
             <a:effectLst/>
           </c:spPr>
           <c:marker>
-            <c:symbol val="circle"/>
-            <c:size val="5"/>
+            <c:symbol val="square"/>
+            <c:size val="10"/>
             <c:spPr>
               <a:solidFill>
-                <a:schemeClr val="accent2">
+                <a:schemeClr val="accent6">
                   <a:lumMod val="80000"/>
                   <a:lumOff val="20000"/>
                 </a:schemeClr>
               </a:solidFill>
               <a:ln w="9525">
                 <a:solidFill>
-                  <a:schemeClr val="accent2">
+                  <a:schemeClr val="accent6">
                     <a:lumMod val="80000"/>
                     <a:lumOff val="20000"/>
                   </a:schemeClr>
@@ -4318,48 +4548,60 @@
           </c:marker>
           <c:cat>
             <c:numRef>
-              <c:f>ridge!$A$19:$A$23</c:f>
+              <c:f>ridge!$A$24:$A$30</c:f>
               <c:numCache>
                 <c:formatCode>General</c:formatCode>
-                <c:ptCount val="5"/>
+                <c:ptCount val="7"/>
                 <c:pt idx="0">
+                  <c:v>1E-3</c:v>
+                </c:pt>
+                <c:pt idx="1">
                   <c:v>0.01</c:v>
                 </c:pt>
-                <c:pt idx="1">
+                <c:pt idx="2">
                   <c:v>0.1</c:v>
                 </c:pt>
-                <c:pt idx="2">
+                <c:pt idx="3">
                   <c:v>1</c:v>
                 </c:pt>
-                <c:pt idx="3">
+                <c:pt idx="4">
                   <c:v>10</c:v>
                 </c:pt>
-                <c:pt idx="4">
+                <c:pt idx="5">
                   <c:v>100</c:v>
+                </c:pt>
+                <c:pt idx="6">
+                  <c:v>1000</c:v>
                 </c:pt>
               </c:numCache>
             </c:numRef>
           </c:cat>
           <c:val>
             <c:numRef>
-              <c:f>ridge!$G$19:$G$23</c:f>
+              <c:f>ridge!$G$24:$G$30</c:f>
               <c:numCache>
                 <c:formatCode>General</c:formatCode>
-                <c:ptCount val="5"/>
+                <c:ptCount val="7"/>
                 <c:pt idx="0">
+                  <c:v>0.97423000000000004</c:v>
+                </c:pt>
+                <c:pt idx="1">
                   <c:v>0.97474000000000005</c:v>
                 </c:pt>
-                <c:pt idx="1">
+                <c:pt idx="2">
                   <c:v>0.97679000000000005</c:v>
                 </c:pt>
-                <c:pt idx="2">
+                <c:pt idx="3">
                   <c:v>0.98358999999999996</c:v>
                 </c:pt>
-                <c:pt idx="3">
+                <c:pt idx="4">
                   <c:v>0.98641000000000001</c:v>
                 </c:pt>
-                <c:pt idx="4">
+                <c:pt idx="5">
                   <c:v>0.98692000000000002</c:v>
+                </c:pt>
+                <c:pt idx="6">
+                  <c:v>0.98282000000000003</c:v>
                 </c:pt>
               </c:numCache>
             </c:numRef>
@@ -4367,7 +4609,7 @@
           <c:smooth val="0"/>
           <c:extLst>
             <c:ext xmlns:c16="http://schemas.microsoft.com/office/drawing/2014/chart" uri="{C3380CC4-5D6E-409C-BE32-E72D297353CC}">
-              <c16:uniqueId val="{00000005-CE60-4011-A507-5DDB7CAA2E5B}"/>
+              <c16:uniqueId val="{00000005-93E7-47C2-99A8-7DAF9430E22A}"/>
             </c:ext>
           </c:extLst>
         </c:ser>
@@ -4398,7 +4640,9 @@
         <c:spPr>
           <a:noFill/>
           <a:ln w="9525" cap="flat" cmpd="sng" algn="ctr">
-            <a:noFill/>
+            <a:solidFill>
+              <a:schemeClr val="tx1"/>
+            </a:solidFill>
             <a:round/>
           </a:ln>
           <a:effectLst/>
@@ -4431,9 +4675,19 @@
         <c:axId val="778232720"/>
         <c:scaling>
           <c:orientation val="minMax"/>
+          <c:min val="0.97"/>
         </c:scaling>
         <c:delete val="0"/>
         <c:axPos val="l"/>
+        <c:majorGridlines>
+          <c:spPr>
+            <a:ln w="9525" cap="flat" cmpd="sng" algn="ctr">
+              <a:noFill/>
+              <a:round/>
+            </a:ln>
+            <a:effectLst/>
+          </c:spPr>
+        </c:majorGridlines>
         <c:numFmt formatCode="General" sourceLinked="1"/>
         <c:majorTickMark val="none"/>
         <c:minorTickMark val="none"/>
@@ -6209,10 +6463,10 @@
 </file>
 
 <file path=ppt/charts/colors4.xml><?xml version="1.0" encoding="utf-8"?>
-<cs:colorStyle xmlns:cs="http://schemas.microsoft.com/office/drawing/2012/chartStyle" xmlns:a="http://schemas.openxmlformats.org/drawingml/2006/main" meth="cycle" id="12">
-  <a:schemeClr val="accent2"/>
+<cs:colorStyle xmlns:cs="http://schemas.microsoft.com/office/drawing/2012/chartStyle" xmlns:a="http://schemas.openxmlformats.org/drawingml/2006/main" meth="cycle" id="13">
+  <a:schemeClr val="accent6"/>
+  <a:schemeClr val="accent5"/>
   <a:schemeClr val="accent4"/>
-  <a:schemeClr val="accent6"/>
   <cs:variation/>
   <cs:variation>
     <a:lumMod val="60000"/>
@@ -6246,10 +6500,10 @@
 </file>
 
 <file path=ppt/charts/colors5.xml><?xml version="1.0" encoding="utf-8"?>
-<cs:colorStyle xmlns:cs="http://schemas.microsoft.com/office/drawing/2012/chartStyle" xmlns:a="http://schemas.openxmlformats.org/drawingml/2006/main" meth="cycle" id="12">
-  <a:schemeClr val="accent2"/>
+<cs:colorStyle xmlns:cs="http://schemas.microsoft.com/office/drawing/2012/chartStyle" xmlns:a="http://schemas.openxmlformats.org/drawingml/2006/main" meth="cycle" id="13">
+  <a:schemeClr val="accent6"/>
+  <a:schemeClr val="accent5"/>
   <a:schemeClr val="accent4"/>
-  <a:schemeClr val="accent6"/>
   <cs:variation/>
   <cs:variation>
     <a:lumMod val="60000"/>
@@ -6283,10 +6537,10 @@
 </file>
 
 <file path=ppt/charts/colors6.xml><?xml version="1.0" encoding="utf-8"?>
-<cs:colorStyle xmlns:cs="http://schemas.microsoft.com/office/drawing/2012/chartStyle" xmlns:a="http://schemas.openxmlformats.org/drawingml/2006/main" meth="cycle" id="12">
-  <a:schemeClr val="accent2"/>
+<cs:colorStyle xmlns:cs="http://schemas.microsoft.com/office/drawing/2012/chartStyle" xmlns:a="http://schemas.openxmlformats.org/drawingml/2006/main" meth="cycle" id="13">
+  <a:schemeClr val="accent6"/>
+  <a:schemeClr val="accent5"/>
   <a:schemeClr val="accent4"/>
-  <a:schemeClr val="accent6"/>
   <cs:variation/>
   <cs:variation>
     <a:lumMod val="60000"/>
@@ -11120,7 +11374,7 @@
           <a:p>
             <a:fld id="{B689B1AA-91E3-4D0E-B107-59506E73A2E9}" type="datetimeFigureOut">
               <a:rPr lang="zh-CN" altLang="en-US" smtClean="0"/>
-              <a:t>2019/1/17 Thursday</a:t>
+              <a:t>2019/1/18 Friday</a:t>
             </a:fld>
             <a:endParaRPr lang="zh-CN" altLang="en-US"/>
           </a:p>
@@ -11318,7 +11572,7 @@
           <a:p>
             <a:fld id="{B689B1AA-91E3-4D0E-B107-59506E73A2E9}" type="datetimeFigureOut">
               <a:rPr lang="zh-CN" altLang="en-US" smtClean="0"/>
-              <a:t>2019/1/17 Thursday</a:t>
+              <a:t>2019/1/18 Friday</a:t>
             </a:fld>
             <a:endParaRPr lang="zh-CN" altLang="en-US"/>
           </a:p>
@@ -11526,7 +11780,7 @@
           <a:p>
             <a:fld id="{B689B1AA-91E3-4D0E-B107-59506E73A2E9}" type="datetimeFigureOut">
               <a:rPr lang="zh-CN" altLang="en-US" smtClean="0"/>
-              <a:t>2019/1/17 Thursday</a:t>
+              <a:t>2019/1/18 Friday</a:t>
             </a:fld>
             <a:endParaRPr lang="zh-CN" altLang="en-US"/>
           </a:p>
@@ -11724,7 +11978,7 @@
           <a:p>
             <a:fld id="{B689B1AA-91E3-4D0E-B107-59506E73A2E9}" type="datetimeFigureOut">
               <a:rPr lang="zh-CN" altLang="en-US" smtClean="0"/>
-              <a:t>2019/1/17 Thursday</a:t>
+              <a:t>2019/1/18 Friday</a:t>
             </a:fld>
             <a:endParaRPr lang="zh-CN" altLang="en-US"/>
           </a:p>
@@ -11999,7 +12253,7 @@
           <a:p>
             <a:fld id="{B689B1AA-91E3-4D0E-B107-59506E73A2E9}" type="datetimeFigureOut">
               <a:rPr lang="zh-CN" altLang="en-US" smtClean="0"/>
-              <a:t>2019/1/17 Thursday</a:t>
+              <a:t>2019/1/18 Friday</a:t>
             </a:fld>
             <a:endParaRPr lang="zh-CN" altLang="en-US"/>
           </a:p>
@@ -12264,7 +12518,7 @@
           <a:p>
             <a:fld id="{B689B1AA-91E3-4D0E-B107-59506E73A2E9}" type="datetimeFigureOut">
               <a:rPr lang="zh-CN" altLang="en-US" smtClean="0"/>
-              <a:t>2019/1/17 Thursday</a:t>
+              <a:t>2019/1/18 Friday</a:t>
             </a:fld>
             <a:endParaRPr lang="zh-CN" altLang="en-US"/>
           </a:p>
@@ -12676,7 +12930,7 @@
           <a:p>
             <a:fld id="{B689B1AA-91E3-4D0E-B107-59506E73A2E9}" type="datetimeFigureOut">
               <a:rPr lang="zh-CN" altLang="en-US" smtClean="0"/>
-              <a:t>2019/1/17 Thursday</a:t>
+              <a:t>2019/1/18 Friday</a:t>
             </a:fld>
             <a:endParaRPr lang="zh-CN" altLang="en-US"/>
           </a:p>
@@ -12817,7 +13071,7 @@
           <a:p>
             <a:fld id="{B689B1AA-91E3-4D0E-B107-59506E73A2E9}" type="datetimeFigureOut">
               <a:rPr lang="zh-CN" altLang="en-US" smtClean="0"/>
-              <a:t>2019/1/17 Thursday</a:t>
+              <a:t>2019/1/18 Friday</a:t>
             </a:fld>
             <a:endParaRPr lang="zh-CN" altLang="en-US"/>
           </a:p>
@@ -12930,7 +13184,7 @@
           <a:p>
             <a:fld id="{B689B1AA-91E3-4D0E-B107-59506E73A2E9}" type="datetimeFigureOut">
               <a:rPr lang="zh-CN" altLang="en-US" smtClean="0"/>
-              <a:t>2019/1/17 Thursday</a:t>
+              <a:t>2019/1/18 Friday</a:t>
             </a:fld>
             <a:endParaRPr lang="zh-CN" altLang="en-US"/>
           </a:p>
@@ -13241,7 +13495,7 @@
           <a:p>
             <a:fld id="{B689B1AA-91E3-4D0E-B107-59506E73A2E9}" type="datetimeFigureOut">
               <a:rPr lang="zh-CN" altLang="en-US" smtClean="0"/>
-              <a:t>2019/1/17 Thursday</a:t>
+              <a:t>2019/1/18 Friday</a:t>
             </a:fld>
             <a:endParaRPr lang="zh-CN" altLang="en-US"/>
           </a:p>
@@ -13529,7 +13783,7 @@
           <a:p>
             <a:fld id="{B689B1AA-91E3-4D0E-B107-59506E73A2E9}" type="datetimeFigureOut">
               <a:rPr lang="zh-CN" altLang="en-US" smtClean="0"/>
-              <a:t>2019/1/17 Thursday</a:t>
+              <a:t>2019/1/18 Friday</a:t>
             </a:fld>
             <a:endParaRPr lang="zh-CN" altLang="en-US"/>
           </a:p>
@@ -13770,7 +14024,7 @@
           <a:p>
             <a:fld id="{B689B1AA-91E3-4D0E-B107-59506E73A2E9}" type="datetimeFigureOut">
               <a:rPr lang="zh-CN" altLang="en-US" smtClean="0"/>
-              <a:t>2019/1/17 Thursday</a:t>
+              <a:t>2019/1/18 Friday</a:t>
             </a:fld>
             <a:endParaRPr lang="zh-CN" altLang="en-US"/>
           </a:p>
@@ -14689,7 +14943,7 @@
       </p:sp>
       <p:graphicFrame>
         <p:nvGraphicFramePr>
-          <p:cNvPr id="7" name="图表 6">
+          <p:cNvPr id="8" name="图表 7">
             <a:extLst>
               <a:ext uri="{FF2B5EF4-FFF2-40B4-BE49-F238E27FC236}">
                 <a16:creationId xmlns:a16="http://schemas.microsoft.com/office/drawing/2014/main" id="{D838C4A7-E5A1-4EE4-A035-9FE700796343}"/>
@@ -14702,7 +14956,7 @@
           <p:nvPr>
             <p:extLst>
               <p:ext uri="{D42A27DB-BD31-4B8C-83A1-F6EECF244321}">
-                <p14:modId xmlns:p14="http://schemas.microsoft.com/office/powerpoint/2010/main" val="362756078"/>
+                <p14:modId xmlns:p14="http://schemas.microsoft.com/office/powerpoint/2010/main" val="610558443"/>
               </p:ext>
             </p:extLst>
           </p:nvPr>
@@ -14829,10 +15083,10 @@
       </p:sp>
       <p:graphicFrame>
         <p:nvGraphicFramePr>
-          <p:cNvPr id="8" name="图表 7">
+          <p:cNvPr id="7" name="图表 6">
             <a:extLst>
               <a:ext uri="{FF2B5EF4-FFF2-40B4-BE49-F238E27FC236}">
-                <a16:creationId xmlns:a16="http://schemas.microsoft.com/office/drawing/2014/main" id="{B873D367-3269-4C5B-B34D-86EE667D4DE8}"/>
+                <a16:creationId xmlns:a16="http://schemas.microsoft.com/office/drawing/2014/main" id="{3D3A54AD-A9ED-4CD8-8A8E-F92D2413CDD2}"/>
               </a:ext>
             </a:extLst>
           </p:cNvPr>
@@ -14842,13 +15096,13 @@
           <p:nvPr>
             <p:extLst>
               <p:ext uri="{D42A27DB-BD31-4B8C-83A1-F6EECF244321}">
-                <p14:modId xmlns:p14="http://schemas.microsoft.com/office/powerpoint/2010/main" val="13000761"/>
+                <p14:modId xmlns:p14="http://schemas.microsoft.com/office/powerpoint/2010/main" val="3750577667"/>
               </p:ext>
             </p:extLst>
           </p:nvPr>
         </p:nvGraphicFramePr>
         <p:xfrm>
-          <a:off x="646333" y="0"/>
+          <a:off x="646332" y="0"/>
           <a:ext cx="11545668" cy="6304002"/>
         </p:xfrm>
         <a:graphic>
@@ -14969,7 +15223,7 @@
       </p:sp>
       <p:graphicFrame>
         <p:nvGraphicFramePr>
-          <p:cNvPr id="8" name="图表 7">
+          <p:cNvPr id="7" name="图表 6">
             <a:extLst>
               <a:ext uri="{FF2B5EF4-FFF2-40B4-BE49-F238E27FC236}">
                 <a16:creationId xmlns:a16="http://schemas.microsoft.com/office/drawing/2014/main" id="{CCB21BFF-41C3-4D62-96C6-4E0A1F0AA1BA}"/>
@@ -14982,7 +15236,7 @@
           <p:nvPr>
             <p:extLst>
               <p:ext uri="{D42A27DB-BD31-4B8C-83A1-F6EECF244321}">
-                <p14:modId xmlns:p14="http://schemas.microsoft.com/office/powerpoint/2010/main" val="2335746153"/>
+                <p14:modId xmlns:p14="http://schemas.microsoft.com/office/powerpoint/2010/main" val="3478544114"/>
               </p:ext>
             </p:extLst>
           </p:nvPr>
